--- a/ZABkasa.pptx
+++ b/ZABkasa.pptx
@@ -345,7 +345,7 @@
           <a:p>
             <a:fld id="{27D9422B-E943-412C-98EC-621E7C144F07}" type="datetimeFigureOut">
               <a:rPr lang="hu-HU" smtClean="0"/>
-              <a:t>2022. 05. 31.</a:t>
+              <a:t>2022. 06. 07.</a:t>
             </a:fld>
             <a:endParaRPr lang="hu-HU"/>
           </a:p>
@@ -679,7 +679,7 @@
           <a:p>
             <a:fld id="{27D9422B-E943-412C-98EC-621E7C144F07}" type="datetimeFigureOut">
               <a:rPr lang="hu-HU" smtClean="0"/>
-              <a:t>2022. 05. 31.</a:t>
+              <a:t>2022. 06. 07.</a:t>
             </a:fld>
             <a:endParaRPr lang="hu-HU"/>
           </a:p>
@@ -957,7 +957,7 @@
           <a:p>
             <a:fld id="{27D9422B-E943-412C-98EC-621E7C144F07}" type="datetimeFigureOut">
               <a:rPr lang="hu-HU" smtClean="0"/>
-              <a:t>2022. 05. 31.</a:t>
+              <a:t>2022. 06. 07.</a:t>
             </a:fld>
             <a:endParaRPr lang="hu-HU"/>
           </a:p>
@@ -1525,7 +1525,7 @@
           <a:p>
             <a:fld id="{27D9422B-E943-412C-98EC-621E7C144F07}" type="datetimeFigureOut">
               <a:rPr lang="hu-HU" smtClean="0"/>
-              <a:t>2022. 05. 31.</a:t>
+              <a:t>2022. 06. 07.</a:t>
             </a:fld>
             <a:endParaRPr lang="hu-HU"/>
           </a:p>
@@ -1803,7 +1803,7 @@
           <a:p>
             <a:fld id="{27D9422B-E943-412C-98EC-621E7C144F07}" type="datetimeFigureOut">
               <a:rPr lang="hu-HU" smtClean="0"/>
-              <a:t>2022. 05. 31.</a:t>
+              <a:t>2022. 06. 07.</a:t>
             </a:fld>
             <a:endParaRPr lang="hu-HU"/>
           </a:p>
@@ -2365,7 +2365,7 @@
           <a:p>
             <a:fld id="{27D9422B-E943-412C-98EC-621E7C144F07}" type="datetimeFigureOut">
               <a:rPr lang="hu-HU" smtClean="0"/>
-              <a:t>2022. 05. 31.</a:t>
+              <a:t>2022. 06. 07.</a:t>
             </a:fld>
             <a:endParaRPr lang="hu-HU"/>
           </a:p>
@@ -2692,7 +2692,7 @@
           <a:p>
             <a:fld id="{27D9422B-E943-412C-98EC-621E7C144F07}" type="datetimeFigureOut">
               <a:rPr lang="hu-HU" smtClean="0"/>
-              <a:t>2022. 05. 31.</a:t>
+              <a:t>2022. 06. 07.</a:t>
             </a:fld>
             <a:endParaRPr lang="hu-HU"/>
           </a:p>
@@ -2869,7 +2869,7 @@
           <a:p>
             <a:fld id="{27D9422B-E943-412C-98EC-621E7C144F07}" type="datetimeFigureOut">
               <a:rPr lang="hu-HU" smtClean="0"/>
-              <a:t>2022. 05. 31.</a:t>
+              <a:t>2022. 06. 07.</a:t>
             </a:fld>
             <a:endParaRPr lang="hu-HU"/>
           </a:p>
@@ -3107,7 +3107,7 @@
           <a:p>
             <a:fld id="{27D9422B-E943-412C-98EC-621E7C144F07}" type="datetimeFigureOut">
               <a:rPr lang="hu-HU" smtClean="0"/>
-              <a:t>2022. 05. 31.</a:t>
+              <a:t>2022. 06. 07.</a:t>
             </a:fld>
             <a:endParaRPr lang="hu-HU"/>
           </a:p>
@@ -3307,7 +3307,7 @@
           <a:p>
             <a:fld id="{27D9422B-E943-412C-98EC-621E7C144F07}" type="datetimeFigureOut">
               <a:rPr lang="hu-HU" smtClean="0"/>
-              <a:t>2022. 05. 31.</a:t>
+              <a:t>2022. 06. 07.</a:t>
             </a:fld>
             <a:endParaRPr lang="hu-HU"/>
           </a:p>
@@ -3583,7 +3583,7 @@
           <a:p>
             <a:fld id="{27D9422B-E943-412C-98EC-621E7C144F07}" type="datetimeFigureOut">
               <a:rPr lang="hu-HU" smtClean="0"/>
-              <a:t>2022. 05. 31.</a:t>
+              <a:t>2022. 06. 07.</a:t>
             </a:fld>
             <a:endParaRPr lang="hu-HU"/>
           </a:p>
@@ -3849,7 +3849,7 @@
           <a:p>
             <a:fld id="{27D9422B-E943-412C-98EC-621E7C144F07}" type="datetimeFigureOut">
               <a:rPr lang="hu-HU" smtClean="0"/>
-              <a:t>2022. 05. 31.</a:t>
+              <a:t>2022. 06. 07.</a:t>
             </a:fld>
             <a:endParaRPr lang="hu-HU"/>
           </a:p>
@@ -4223,7 +4223,7 @@
           <a:p>
             <a:fld id="{27D9422B-E943-412C-98EC-621E7C144F07}" type="datetimeFigureOut">
               <a:rPr lang="hu-HU" smtClean="0"/>
-              <a:t>2022. 05. 31.</a:t>
+              <a:t>2022. 06. 07.</a:t>
             </a:fld>
             <a:endParaRPr lang="hu-HU"/>
           </a:p>
@@ -4371,7 +4371,7 @@
           <a:p>
             <a:fld id="{27D9422B-E943-412C-98EC-621E7C144F07}" type="datetimeFigureOut">
               <a:rPr lang="hu-HU" smtClean="0"/>
-              <a:t>2022. 05. 31.</a:t>
+              <a:t>2022. 06. 07.</a:t>
             </a:fld>
             <a:endParaRPr lang="hu-HU"/>
           </a:p>
@@ -4496,7 +4496,7 @@
           <a:p>
             <a:fld id="{27D9422B-E943-412C-98EC-621E7C144F07}" type="datetimeFigureOut">
               <a:rPr lang="hu-HU" smtClean="0"/>
-              <a:t>2022. 05. 31.</a:t>
+              <a:t>2022. 06. 07.</a:t>
             </a:fld>
             <a:endParaRPr lang="hu-HU"/>
           </a:p>
@@ -4781,7 +4781,7 @@
           <a:p>
             <a:fld id="{27D9422B-E943-412C-98EC-621E7C144F07}" type="datetimeFigureOut">
               <a:rPr lang="hu-HU" smtClean="0"/>
-              <a:t>2022. 05. 31.</a:t>
+              <a:t>2022. 06. 07.</a:t>
             </a:fld>
             <a:endParaRPr lang="hu-HU"/>
           </a:p>
@@ -5105,7 +5105,7 @@
           <a:p>
             <a:fld id="{27D9422B-E943-412C-98EC-621E7C144F07}" type="datetimeFigureOut">
               <a:rPr lang="hu-HU" smtClean="0"/>
-              <a:t>2022. 05. 31.</a:t>
+              <a:t>2022. 06. 07.</a:t>
             </a:fld>
             <a:endParaRPr lang="hu-HU"/>
           </a:p>
@@ -5319,7 +5319,7 @@
           <a:p>
             <a:fld id="{27D9422B-E943-412C-98EC-621E7C144F07}" type="datetimeFigureOut">
               <a:rPr lang="hu-HU" smtClean="0"/>
-              <a:t>2022. 05. 31.</a:t>
+              <a:t>2022. 06. 07.</a:t>
             </a:fld>
             <a:endParaRPr lang="hu-HU"/>
           </a:p>
@@ -5989,7 +5989,7 @@
         </p:blipFill>
         <p:spPr>
           <a:xfrm rot="877685">
-            <a:off x="261811" y="753191"/>
+            <a:off x="252847" y="753191"/>
             <a:ext cx="5499508" cy="5499508"/>
           </a:xfrm>
           <a:prstGeom prst="rect">
@@ -6007,6 +6007,142 @@
   <p:clrMapOvr>
     <a:masterClrMapping/>
   </p:clrMapOvr>
+  <mc:AlternateContent xmlns:mc="http://schemas.openxmlformats.org/markup-compatibility/2006">
+    <mc:Choice xmlns:p15="http://schemas.microsoft.com/office/powerpoint/2012/main" Requires="p15">
+      <p:transition xmlns:p14="http://schemas.microsoft.com/office/powerpoint/2010/main" spd="slow" p14:dur="3500">
+        <p15:prstTrans prst="curtains"/>
+      </p:transition>
+    </mc:Choice>
+    <mc:Fallback>
+      <p:transition spd="slow">
+        <p:fade/>
+      </p:transition>
+    </mc:Fallback>
+  </mc:AlternateContent>
+  <p:timing>
+    <p:tnLst>
+      <p:par>
+        <p:cTn id="1" dur="indefinite" restart="never" nodeType="tmRoot">
+          <p:childTnLst>
+            <p:seq concurrent="1" nextAc="seek">
+              <p:cTn id="2" dur="indefinite" nodeType="mainSeq">
+                <p:childTnLst>
+                  <p:par>
+                    <p:cTn id="3" fill="hold">
+                      <p:stCondLst>
+                        <p:cond delay="indefinite"/>
+                        <p:cond evt="onBegin" delay="0">
+                          <p:tn val="2"/>
+                        </p:cond>
+                      </p:stCondLst>
+                      <p:childTnLst>
+                        <p:par>
+                          <p:cTn id="4" fill="hold">
+                            <p:stCondLst>
+                              <p:cond delay="0"/>
+                            </p:stCondLst>
+                            <p:childTnLst>
+                              <p:par>
+                                <p:cTn id="5" presetID="2" presetClass="entr" presetSubtype="8" fill="hold" nodeType="afterEffect">
+                                  <p:stCondLst>
+                                    <p:cond delay="0"/>
+                                  </p:stCondLst>
+                                  <p:childTnLst>
+                                    <p:set>
+                                      <p:cBhvr>
+                                        <p:cTn id="6" dur="1" fill="hold">
+                                          <p:stCondLst>
+                                            <p:cond delay="0"/>
+                                          </p:stCondLst>
+                                        </p:cTn>
+                                        <p:tgtEl>
+                                          <p:spTgt spid="5"/>
+                                        </p:tgtEl>
+                                        <p:attrNameLst>
+                                          <p:attrName>style.visibility</p:attrName>
+                                        </p:attrNameLst>
+                                      </p:cBhvr>
+                                      <p:to>
+                                        <p:strVal val="visible"/>
+                                      </p:to>
+                                    </p:set>
+                                    <p:anim calcmode="lin" valueType="num">
+                                      <p:cBhvr additive="base">
+                                        <p:cTn id="7" dur="500" fill="hold"/>
+                                        <p:tgtEl>
+                                          <p:spTgt spid="5"/>
+                                        </p:tgtEl>
+                                        <p:attrNameLst>
+                                          <p:attrName>ppt_x</p:attrName>
+                                        </p:attrNameLst>
+                                      </p:cBhvr>
+                                      <p:tavLst>
+                                        <p:tav tm="0">
+                                          <p:val>
+                                            <p:strVal val="0-#ppt_w/2"/>
+                                          </p:val>
+                                        </p:tav>
+                                        <p:tav tm="100000">
+                                          <p:val>
+                                            <p:strVal val="#ppt_x"/>
+                                          </p:val>
+                                        </p:tav>
+                                      </p:tavLst>
+                                    </p:anim>
+                                    <p:anim calcmode="lin" valueType="num">
+                                      <p:cBhvr additive="base">
+                                        <p:cTn id="8" dur="500" fill="hold"/>
+                                        <p:tgtEl>
+                                          <p:spTgt spid="5"/>
+                                        </p:tgtEl>
+                                        <p:attrNameLst>
+                                          <p:attrName>ppt_y</p:attrName>
+                                        </p:attrNameLst>
+                                      </p:cBhvr>
+                                      <p:tavLst>
+                                        <p:tav tm="0">
+                                          <p:val>
+                                            <p:strVal val="#ppt_y"/>
+                                          </p:val>
+                                        </p:tav>
+                                        <p:tav tm="100000">
+                                          <p:val>
+                                            <p:strVal val="#ppt_y"/>
+                                          </p:val>
+                                        </p:tav>
+                                      </p:tavLst>
+                                    </p:anim>
+                                  </p:childTnLst>
+                                </p:cTn>
+                              </p:par>
+                            </p:childTnLst>
+                          </p:cTn>
+                        </p:par>
+                      </p:childTnLst>
+                    </p:cTn>
+                  </p:par>
+                </p:childTnLst>
+              </p:cTn>
+              <p:prevCondLst>
+                <p:cond evt="onPrev" delay="0">
+                  <p:tgtEl>
+                    <p:sldTgt/>
+                  </p:tgtEl>
+                </p:cond>
+              </p:prevCondLst>
+              <p:nextCondLst>
+                <p:cond evt="onNext" delay="0">
+                  <p:tgtEl>
+                    <p:sldTgt/>
+                  </p:tgtEl>
+                </p:cond>
+              </p:nextCondLst>
+            </p:seq>
+          </p:childTnLst>
+        </p:cTn>
+      </p:par>
+    </p:tnLst>
+  </p:timing>
 </p:sld>
 </file>
 
@@ -6105,14 +6241,14 @@
           <a:p>
             <a:r>
               <a:rPr lang="hu-HU" dirty="0"/>
-              <a:t> A játék lényege hogy egy kamera előtt két személy kő papír ollót játszanak és a program érzékeli, hogy ki mit mutat.</a:t>
+              <a:t> A játék lényege hogy egy kamera előtt két személy kő papír ollót játszik és a program érzékeli, hogy ki mit mutat.</a:t>
             </a:r>
             <a:br>
               <a:rPr lang="hu-HU" dirty="0"/>
             </a:br>
             <a:r>
               <a:rPr lang="hu-HU" dirty="0"/>
-              <a:t>Egy táblázatba vezeti a két játékos eredményét majd kiírja ki nyert az adott kör végén.</a:t>
+              <a:t>Egy ablakban vezeti a két játékos eredményét majd kiírja ki nyert az adott kör végén.</a:t>
             </a:r>
           </a:p>
           <a:p>
@@ -6182,6 +6318,133 @@
   <p:clrMapOvr>
     <a:masterClrMapping/>
   </p:clrMapOvr>
+  <p:transition spd="slow">
+    <p:cover/>
+  </p:transition>
+  <p:timing>
+    <p:tnLst>
+      <p:par>
+        <p:cTn id="1" dur="indefinite" restart="never" nodeType="tmRoot">
+          <p:childTnLst>
+            <p:seq concurrent="1" nextAc="seek">
+              <p:cTn id="2" dur="indefinite" nodeType="mainSeq">
+                <p:childTnLst>
+                  <p:par>
+                    <p:cTn id="3" fill="hold">
+                      <p:stCondLst>
+                        <p:cond delay="indefinite"/>
+                        <p:cond evt="onBegin" delay="0">
+                          <p:tn val="2"/>
+                        </p:cond>
+                      </p:stCondLst>
+                      <p:childTnLst>
+                        <p:par>
+                          <p:cTn id="4" fill="hold">
+                            <p:stCondLst>
+                              <p:cond delay="0"/>
+                            </p:stCondLst>
+                            <p:childTnLst>
+                              <p:par>
+                                <p:cTn id="5" presetID="2" presetClass="entr" presetSubtype="2" fill="hold" nodeType="withEffect">
+                                  <p:stCondLst>
+                                    <p:cond delay="0"/>
+                                  </p:stCondLst>
+                                  <p:childTnLst>
+                                    <p:set>
+                                      <p:cBhvr>
+                                        <p:cTn id="6" dur="1" fill="hold">
+                                          <p:stCondLst>
+                                            <p:cond delay="0"/>
+                                          </p:stCondLst>
+                                        </p:cTn>
+                                        <p:tgtEl>
+                                          <p:spTgt spid="5"/>
+                                        </p:tgtEl>
+                                        <p:attrNameLst>
+                                          <p:attrName>style.visibility</p:attrName>
+                                        </p:attrNameLst>
+                                      </p:cBhvr>
+                                      <p:to>
+                                        <p:strVal val="visible"/>
+                                      </p:to>
+                                    </p:set>
+                                    <p:anim calcmode="lin" valueType="num">
+                                      <p:cBhvr additive="base">
+                                        <p:cTn id="7" dur="500" fill="hold"/>
+                                        <p:tgtEl>
+                                          <p:spTgt spid="5"/>
+                                        </p:tgtEl>
+                                        <p:attrNameLst>
+                                          <p:attrName>ppt_x</p:attrName>
+                                        </p:attrNameLst>
+                                      </p:cBhvr>
+                                      <p:tavLst>
+                                        <p:tav tm="0">
+                                          <p:val>
+                                            <p:strVal val="1+#ppt_w/2"/>
+                                          </p:val>
+                                        </p:tav>
+                                        <p:tav tm="100000">
+                                          <p:val>
+                                            <p:strVal val="#ppt_x"/>
+                                          </p:val>
+                                        </p:tav>
+                                      </p:tavLst>
+                                    </p:anim>
+                                    <p:anim calcmode="lin" valueType="num">
+                                      <p:cBhvr additive="base">
+                                        <p:cTn id="8" dur="500" fill="hold"/>
+                                        <p:tgtEl>
+                                          <p:spTgt spid="5"/>
+                                        </p:tgtEl>
+                                        <p:attrNameLst>
+                                          <p:attrName>ppt_y</p:attrName>
+                                        </p:attrNameLst>
+                                      </p:cBhvr>
+                                      <p:tavLst>
+                                        <p:tav tm="0">
+                                          <p:val>
+                                            <p:strVal val="#ppt_y"/>
+                                          </p:val>
+                                        </p:tav>
+                                        <p:tav tm="100000">
+                                          <p:val>
+                                            <p:strVal val="#ppt_y"/>
+                                          </p:val>
+                                        </p:tav>
+                                      </p:tavLst>
+                                    </p:anim>
+                                  </p:childTnLst>
+                                </p:cTn>
+                              </p:par>
+                            </p:childTnLst>
+                          </p:cTn>
+                        </p:par>
+                      </p:childTnLst>
+                    </p:cTn>
+                  </p:par>
+                </p:childTnLst>
+              </p:cTn>
+              <p:prevCondLst>
+                <p:cond evt="onPrev" delay="0">
+                  <p:tgtEl>
+                    <p:sldTgt/>
+                  </p:tgtEl>
+                </p:cond>
+              </p:prevCondLst>
+              <p:nextCondLst>
+                <p:cond evt="onNext" delay="0">
+                  <p:tgtEl>
+                    <p:sldTgt/>
+                  </p:tgtEl>
+                </p:cond>
+              </p:nextCondLst>
+            </p:seq>
+          </p:childTnLst>
+        </p:cTn>
+      </p:par>
+    </p:tnLst>
+  </p:timing>
 </p:sld>
 </file>
 
@@ -6216,7 +6479,7 @@
         </p:nvSpPr>
         <p:spPr>
           <a:xfrm>
-            <a:off x="858057" y="3177160"/>
+            <a:off x="925007" y="1875793"/>
             <a:ext cx="2700470" cy="1081163"/>
           </a:xfrm>
           <a:prstGeom prst="rect">
@@ -6244,7 +6507,7 @@
           <a:lstStyle/>
           <a:p>
             <a:pPr algn="ctr"/>
-            <a:endParaRPr lang="hu-HU"/>
+            <a:endParaRPr lang="hu-HU" dirty="0"/>
           </a:p>
         </p:txBody>
       </p:sp>
@@ -6310,7 +6573,7 @@
         </p:nvSpPr>
         <p:spPr>
           <a:xfrm>
-            <a:off x="1186207" y="3274835"/>
+            <a:off x="1244400" y="1966001"/>
             <a:ext cx="1933140" cy="883144"/>
           </a:xfrm>
         </p:spPr>
@@ -6347,7 +6610,7 @@
         </p:nvSpPr>
         <p:spPr>
           <a:xfrm>
-            <a:off x="4423380" y="3205375"/>
+            <a:off x="4457887" y="1852274"/>
             <a:ext cx="2700470" cy="1081163"/>
           </a:xfrm>
           <a:prstGeom prst="rect">
@@ -6376,10 +6639,26 @@
           <a:p>
             <a:pPr algn="ctr"/>
             <a:r>
-              <a:rPr lang="en-US"/>
-              <a:t>Time.sleep() megállítja a videót</a:t>
-            </a:r>
-            <a:endParaRPr lang="hu-HU"/>
+              <a:rPr lang="en-US" dirty="0" err="1"/>
+              <a:t>Time.sleep</a:t>
+            </a:r>
+            <a:r>
+              <a:rPr lang="en-US" dirty="0"/>
+              <a:t>() </a:t>
+            </a:r>
+            <a:r>
+              <a:rPr lang="en-US" dirty="0" err="1"/>
+              <a:t>megállítja</a:t>
+            </a:r>
+            <a:r>
+              <a:rPr lang="en-US" dirty="0"/>
+              <a:t> a </a:t>
+            </a:r>
+            <a:r>
+              <a:rPr lang="en-US" dirty="0" err="1"/>
+              <a:t>videót</a:t>
+            </a:r>
+            <a:endParaRPr lang="hu-HU" dirty="0"/>
           </a:p>
         </p:txBody>
       </p:sp>
@@ -6397,7 +6676,7 @@
         </p:nvSpPr>
         <p:spPr>
           <a:xfrm>
-            <a:off x="7795882" y="3177160"/>
+            <a:off x="7831974" y="1852275"/>
             <a:ext cx="2700470" cy="1081163"/>
           </a:xfrm>
           <a:prstGeom prst="rect">
@@ -6426,10 +6705,14 @@
           <a:p>
             <a:pPr algn="ctr"/>
             <a:r>
-              <a:rPr lang="en-US"/>
-              <a:t>Threading bevezetése</a:t>
-            </a:r>
-            <a:endParaRPr lang="hu-HU"/>
+              <a:rPr lang="en-US" dirty="0"/>
+              <a:t>Threading </a:t>
+            </a:r>
+            <a:r>
+              <a:rPr lang="en-US" dirty="0" err="1"/>
+              <a:t>bevezetése</a:t>
+            </a:r>
+            <a:endParaRPr lang="hu-HU" dirty="0"/>
           </a:p>
         </p:txBody>
       </p:sp>
@@ -6447,7 +6730,7 @@
         </p:nvSpPr>
         <p:spPr>
           <a:xfrm>
-            <a:off x="860735" y="4436994"/>
+            <a:off x="903464" y="4423397"/>
             <a:ext cx="2700470" cy="1081163"/>
           </a:xfrm>
           <a:prstGeom prst="rect">
@@ -6493,7 +6776,7 @@
         </p:nvSpPr>
         <p:spPr>
           <a:xfrm>
-            <a:off x="4423380" y="4483860"/>
+            <a:off x="4457887" y="4436994"/>
             <a:ext cx="2700470" cy="1081163"/>
           </a:xfrm>
           <a:prstGeom prst="rect">
@@ -6585,7 +6868,7 @@
         </p:nvSpPr>
         <p:spPr>
           <a:xfrm>
-            <a:off x="860735" y="5696827"/>
+            <a:off x="921510" y="5696824"/>
             <a:ext cx="2700470" cy="1081163"/>
           </a:xfrm>
           <a:prstGeom prst="rect">
@@ -6631,7 +6914,7 @@
         </p:nvSpPr>
         <p:spPr>
           <a:xfrm>
-            <a:off x="4386716" y="5696827"/>
+            <a:off x="4457887" y="5696825"/>
             <a:ext cx="2700470" cy="1081163"/>
           </a:xfrm>
           <a:prstGeom prst="rect">
@@ -6706,10 +6989,13 @@
           <a:p>
             <a:pPr algn="ctr"/>
             <a:r>
-              <a:rPr lang="en-US"/>
-              <a:t>Tkinter ideiglenes megnyitása</a:t>
-            </a:r>
-            <a:endParaRPr lang="hu-HU"/>
+              <a:rPr lang="hu-HU" dirty="0" err="1"/>
+              <a:t>Threading</a:t>
+            </a:r>
+            <a:r>
+              <a:rPr lang="hu-HU" dirty="0"/>
+              <a:t> használata a fő programrészen</a:t>
+            </a:r>
           </a:p>
         </p:txBody>
       </p:sp>
@@ -6762,7 +7048,7 @@
         </p:nvSpPr>
         <p:spPr>
           <a:xfrm>
-            <a:off x="903464" y="4791485"/>
+            <a:off x="921510" y="4739153"/>
             <a:ext cx="2700470" cy="369332"/>
           </a:xfrm>
           <a:prstGeom prst="rect">
@@ -6797,8 +7083,8 @@
         </p:nvSpPr>
         <p:spPr>
           <a:xfrm>
-            <a:off x="1132776" y="6054167"/>
-            <a:ext cx="2553056" cy="369332"/>
+            <a:off x="1244400" y="5734908"/>
+            <a:ext cx="1933140" cy="923330"/>
           </a:xfrm>
           <a:prstGeom prst="rect">
             <a:avLst/>
@@ -6811,9 +7097,14 @@
           </a:bodyPr>
           <a:lstStyle/>
           <a:p>
+            <a:pPr algn="ctr"/>
+            <a:r>
+              <a:rPr lang="hu-HU" dirty="0" err="1"/>
+              <a:t>Tkinter</a:t>
+            </a:r>
             <a:r>
               <a:rPr lang="hu-HU" dirty="0"/>
-              <a:t>Ablakba való kiíratás</a:t>
+              <a:t> és cv2 (ablak) egykori futtatása</a:t>
             </a:r>
           </a:p>
         </p:txBody>
@@ -6883,7 +7174,7 @@
         </p:nvSpPr>
         <p:spPr>
           <a:xfrm>
-            <a:off x="4658756" y="5910722"/>
+            <a:off x="4511343" y="5914242"/>
             <a:ext cx="2553056" cy="646331"/>
           </a:xfrm>
           <a:prstGeom prst="rect">
@@ -6904,7 +7195,7 @@
             </a:r>
             <a:r>
               <a:rPr lang="hu-HU" dirty="0"/>
-              <a:t> és cv2 (ablak) egykori kiíratása</a:t>
+              <a:t> megállítja a kamerát</a:t>
             </a:r>
           </a:p>
         </p:txBody>
@@ -6923,8 +7214,8 @@
         </p:nvSpPr>
         <p:spPr>
           <a:xfrm>
-            <a:off x="7943296" y="4779312"/>
-            <a:ext cx="2553056" cy="369332"/>
+            <a:off x="7943296" y="4653831"/>
+            <a:ext cx="2553056" cy="646331"/>
           </a:xfrm>
           <a:prstGeom prst="rect">
             <a:avLst/>
@@ -6939,12 +7230,24 @@
           <a:p>
             <a:pPr algn="ctr"/>
             <a:r>
+              <a:rPr lang="hu-HU" dirty="0"/>
+              <a:t>Érzékelt </a:t>
+            </a:r>
+            <a:r>
               <a:rPr lang="hu-HU" dirty="0" err="1"/>
-              <a:t>Joint</a:t>
+              <a:t>kezenkénti</a:t>
             </a:r>
             <a:r>
               <a:rPr lang="hu-HU" dirty="0"/>
-              <a:t> számok emelése</a:t>
+              <a:t> </a:t>
+            </a:r>
+            <a:r>
+              <a:rPr lang="hu-HU" dirty="0" err="1"/>
+              <a:t>joint</a:t>
+            </a:r>
+            <a:r>
+              <a:rPr lang="hu-HU" dirty="0"/>
+              <a:t>-ok iterálása</a:t>
             </a:r>
           </a:p>
         </p:txBody>
@@ -7033,7 +7336,7 @@
         </p:nvSpPr>
         <p:spPr>
           <a:xfrm>
-            <a:off x="851193" y="1973757"/>
+            <a:off x="921510" y="3135697"/>
             <a:ext cx="2700470" cy="1081163"/>
           </a:xfrm>
           <a:prstGeom prst="rect">
@@ -7099,7 +7402,7 @@
         </p:nvSpPr>
         <p:spPr>
           <a:xfrm>
-            <a:off x="4423380" y="1973757"/>
+            <a:off x="4457887" y="3126178"/>
             <a:ext cx="2700470" cy="1081163"/>
           </a:xfrm>
           <a:prstGeom prst="rect">
@@ -7128,10 +7431,30 @@
           <a:p>
             <a:pPr algn="ctr"/>
             <a:r>
-              <a:rPr lang="en-US"/>
-              <a:t>Threading csak egyszer indítható</a:t>
-            </a:r>
-            <a:endParaRPr lang="hu-HU"/>
+              <a:rPr lang="en-US" dirty="0"/>
+              <a:t>Threading </a:t>
+            </a:r>
+            <a:r>
+              <a:rPr lang="en-US" dirty="0" err="1"/>
+              <a:t>csak</a:t>
+            </a:r>
+            <a:r>
+              <a:rPr lang="en-US" dirty="0"/>
+              <a:t> </a:t>
+            </a:r>
+            <a:r>
+              <a:rPr lang="en-US" dirty="0" err="1"/>
+              <a:t>egyszer</a:t>
+            </a:r>
+            <a:r>
+              <a:rPr lang="en-US" dirty="0"/>
+              <a:t> </a:t>
+            </a:r>
+            <a:r>
+              <a:rPr lang="en-US" dirty="0" err="1"/>
+              <a:t>indítható</a:t>
+            </a:r>
+            <a:endParaRPr lang="hu-HU" dirty="0"/>
           </a:p>
         </p:txBody>
       </p:sp>
@@ -7149,7 +7472,7 @@
         </p:nvSpPr>
         <p:spPr>
           <a:xfrm>
-            <a:off x="7795882" y="1981177"/>
+            <a:off x="7831974" y="3137836"/>
             <a:ext cx="2700470" cy="1081163"/>
           </a:xfrm>
           <a:prstGeom prst="rect">
@@ -7178,8 +7501,12 @@
           <a:p>
             <a:pPr algn="ctr"/>
             <a:r>
+              <a:rPr lang="hu-HU" dirty="0"/>
+              <a:t>Visszaszámlálás törlése, a</a:t>
+            </a:r>
+            <a:r>
               <a:rPr lang="en-US" dirty="0" err="1"/>
-              <a:t>Visszaszámlálás</a:t>
+              <a:t>zonnali</a:t>
             </a:r>
             <a:r>
               <a:rPr lang="en-US" dirty="0"/>
@@ -7187,39 +7514,11 @@
             </a:r>
             <a:r>
               <a:rPr lang="en-US" dirty="0" err="1"/>
-              <a:t>és</a:t>
-            </a:r>
-            <a:r>
-              <a:rPr lang="en-US" dirty="0"/>
-              <a:t> threading </a:t>
-            </a:r>
-            <a:r>
-              <a:rPr lang="en-US" dirty="0" err="1"/>
-              <a:t>törlése</a:t>
-            </a:r>
-            <a:r>
-              <a:rPr lang="en-US" dirty="0"/>
-              <a:t>, </a:t>
-            </a:r>
-            <a:r>
-              <a:rPr lang="en-US" dirty="0" err="1"/>
-              <a:t>azonnali</a:t>
-            </a:r>
-            <a:r>
-              <a:rPr lang="en-US" dirty="0"/>
-              <a:t> </a:t>
-            </a:r>
-            <a:r>
-              <a:rPr lang="en-US" dirty="0" err="1"/>
-              <a:t>pontozás</a:t>
-            </a:r>
-            <a:r>
-              <a:rPr lang="en-US" dirty="0"/>
-              <a:t> + </a:t>
-            </a:r>
-            <a:r>
-              <a:rPr lang="en-US" dirty="0" err="1"/>
-              <a:t>Tkinter</a:t>
+              <a:t>pont</a:t>
+            </a:r>
+            <a:r>
+              <a:rPr lang="hu-HU" dirty="0" err="1"/>
+              <a:t>ozás</a:t>
             </a:r>
             <a:endParaRPr lang="hu-HU" dirty="0"/>
           </a:p>
@@ -7235,6 +7534,1457 @@
   <p:clrMapOvr>
     <a:masterClrMapping/>
   </p:clrMapOvr>
+  <p:transition spd="slow">
+    <p:cover/>
+  </p:transition>
+  <p:timing>
+    <p:tnLst>
+      <p:par>
+        <p:cTn id="1" dur="indefinite" restart="never" nodeType="tmRoot">
+          <p:childTnLst>
+            <p:seq concurrent="1" nextAc="seek">
+              <p:cTn id="2" dur="indefinite" nodeType="mainSeq">
+                <p:childTnLst>
+                  <p:par>
+                    <p:cTn id="3" fill="hold">
+                      <p:stCondLst>
+                        <p:cond delay="indefinite"/>
+                      </p:stCondLst>
+                      <p:childTnLst>
+                        <p:par>
+                          <p:cTn id="4" fill="hold">
+                            <p:stCondLst>
+                              <p:cond delay="0"/>
+                            </p:stCondLst>
+                            <p:childTnLst>
+                              <p:par>
+                                <p:cTn id="5" presetID="2" presetClass="entr" presetSubtype="8" fill="hold" grpId="0" nodeType="clickEffect">
+                                  <p:stCondLst>
+                                    <p:cond delay="0"/>
+                                  </p:stCondLst>
+                                  <p:childTnLst>
+                                    <p:set>
+                                      <p:cBhvr>
+                                        <p:cTn id="6" dur="1" fill="hold">
+                                          <p:stCondLst>
+                                            <p:cond delay="0"/>
+                                          </p:stCondLst>
+                                        </p:cTn>
+                                        <p:tgtEl>
+                                          <p:spTgt spid="4"/>
+                                        </p:tgtEl>
+                                        <p:attrNameLst>
+                                          <p:attrName>style.visibility</p:attrName>
+                                        </p:attrNameLst>
+                                      </p:cBhvr>
+                                      <p:to>
+                                        <p:strVal val="visible"/>
+                                      </p:to>
+                                    </p:set>
+                                    <p:anim calcmode="lin" valueType="num">
+                                      <p:cBhvr additive="base">
+                                        <p:cTn id="7" dur="500" fill="hold"/>
+                                        <p:tgtEl>
+                                          <p:spTgt spid="4"/>
+                                        </p:tgtEl>
+                                        <p:attrNameLst>
+                                          <p:attrName>ppt_x</p:attrName>
+                                        </p:attrNameLst>
+                                      </p:cBhvr>
+                                      <p:tavLst>
+                                        <p:tav tm="0">
+                                          <p:val>
+                                            <p:strVal val="0-#ppt_w/2"/>
+                                          </p:val>
+                                        </p:tav>
+                                        <p:tav tm="100000">
+                                          <p:val>
+                                            <p:strVal val="#ppt_x"/>
+                                          </p:val>
+                                        </p:tav>
+                                      </p:tavLst>
+                                    </p:anim>
+                                    <p:anim calcmode="lin" valueType="num">
+                                      <p:cBhvr additive="base">
+                                        <p:cTn id="8" dur="500" fill="hold"/>
+                                        <p:tgtEl>
+                                          <p:spTgt spid="4"/>
+                                        </p:tgtEl>
+                                        <p:attrNameLst>
+                                          <p:attrName>ppt_y</p:attrName>
+                                        </p:attrNameLst>
+                                      </p:cBhvr>
+                                      <p:tavLst>
+                                        <p:tav tm="0">
+                                          <p:val>
+                                            <p:strVal val="#ppt_y"/>
+                                          </p:val>
+                                        </p:tav>
+                                        <p:tav tm="100000">
+                                          <p:val>
+                                            <p:strVal val="#ppt_y"/>
+                                          </p:val>
+                                        </p:tav>
+                                      </p:tavLst>
+                                    </p:anim>
+                                  </p:childTnLst>
+                                </p:cTn>
+                              </p:par>
+                              <p:par>
+                                <p:cTn id="9" presetID="2" presetClass="entr" presetSubtype="8" fill="hold" grpId="0" nodeType="withEffect">
+                                  <p:stCondLst>
+                                    <p:cond delay="0"/>
+                                  </p:stCondLst>
+                                  <p:childTnLst>
+                                    <p:set>
+                                      <p:cBhvr>
+                                        <p:cTn id="10" dur="1" fill="hold">
+                                          <p:stCondLst>
+                                            <p:cond delay="0"/>
+                                          </p:stCondLst>
+                                        </p:cTn>
+                                        <p:tgtEl>
+                                          <p:spTgt spid="3">
+                                            <p:txEl>
+                                              <p:pRg st="0" end="0"/>
+                                            </p:txEl>
+                                          </p:spTgt>
+                                        </p:tgtEl>
+                                        <p:attrNameLst>
+                                          <p:attrName>style.visibility</p:attrName>
+                                        </p:attrNameLst>
+                                      </p:cBhvr>
+                                      <p:to>
+                                        <p:strVal val="visible"/>
+                                      </p:to>
+                                    </p:set>
+                                    <p:anim calcmode="lin" valueType="num">
+                                      <p:cBhvr additive="base">
+                                        <p:cTn id="11" dur="500" fill="hold"/>
+                                        <p:tgtEl>
+                                          <p:spTgt spid="3">
+                                            <p:txEl>
+                                              <p:pRg st="0" end="0"/>
+                                            </p:txEl>
+                                          </p:spTgt>
+                                        </p:tgtEl>
+                                        <p:attrNameLst>
+                                          <p:attrName>ppt_x</p:attrName>
+                                        </p:attrNameLst>
+                                      </p:cBhvr>
+                                      <p:tavLst>
+                                        <p:tav tm="0">
+                                          <p:val>
+                                            <p:strVal val="0-#ppt_w/2"/>
+                                          </p:val>
+                                        </p:tav>
+                                        <p:tav tm="100000">
+                                          <p:val>
+                                            <p:strVal val="#ppt_x"/>
+                                          </p:val>
+                                        </p:tav>
+                                      </p:tavLst>
+                                    </p:anim>
+                                    <p:anim calcmode="lin" valueType="num">
+                                      <p:cBhvr additive="base">
+                                        <p:cTn id="12" dur="500" fill="hold"/>
+                                        <p:tgtEl>
+                                          <p:spTgt spid="3">
+                                            <p:txEl>
+                                              <p:pRg st="0" end="0"/>
+                                            </p:txEl>
+                                          </p:spTgt>
+                                        </p:tgtEl>
+                                        <p:attrNameLst>
+                                          <p:attrName>ppt_y</p:attrName>
+                                        </p:attrNameLst>
+                                      </p:cBhvr>
+                                      <p:tavLst>
+                                        <p:tav tm="0">
+                                          <p:val>
+                                            <p:strVal val="#ppt_y"/>
+                                          </p:val>
+                                        </p:tav>
+                                        <p:tav tm="100000">
+                                          <p:val>
+                                            <p:strVal val="#ppt_y"/>
+                                          </p:val>
+                                        </p:tav>
+                                      </p:tavLst>
+                                    </p:anim>
+                                  </p:childTnLst>
+                                </p:cTn>
+                              </p:par>
+                              <p:par>
+                                <p:cTn id="13" presetID="2" presetClass="entr" presetSubtype="8" fill="hold" grpId="0" nodeType="withEffect">
+                                  <p:stCondLst>
+                                    <p:cond delay="0"/>
+                                  </p:stCondLst>
+                                  <p:childTnLst>
+                                    <p:set>
+                                      <p:cBhvr>
+                                        <p:cTn id="14" dur="1" fill="hold">
+                                          <p:stCondLst>
+                                            <p:cond delay="0"/>
+                                          </p:stCondLst>
+                                        </p:cTn>
+                                        <p:tgtEl>
+                                          <p:spTgt spid="5"/>
+                                        </p:tgtEl>
+                                        <p:attrNameLst>
+                                          <p:attrName>style.visibility</p:attrName>
+                                        </p:attrNameLst>
+                                      </p:cBhvr>
+                                      <p:to>
+                                        <p:strVal val="visible"/>
+                                      </p:to>
+                                    </p:set>
+                                    <p:anim calcmode="lin" valueType="num">
+                                      <p:cBhvr additive="base">
+                                        <p:cTn id="15" dur="500" fill="hold"/>
+                                        <p:tgtEl>
+                                          <p:spTgt spid="5"/>
+                                        </p:tgtEl>
+                                        <p:attrNameLst>
+                                          <p:attrName>ppt_x</p:attrName>
+                                        </p:attrNameLst>
+                                      </p:cBhvr>
+                                      <p:tavLst>
+                                        <p:tav tm="0">
+                                          <p:val>
+                                            <p:strVal val="0-#ppt_w/2"/>
+                                          </p:val>
+                                        </p:tav>
+                                        <p:tav tm="100000">
+                                          <p:val>
+                                            <p:strVal val="#ppt_x"/>
+                                          </p:val>
+                                        </p:tav>
+                                      </p:tavLst>
+                                    </p:anim>
+                                    <p:anim calcmode="lin" valueType="num">
+                                      <p:cBhvr additive="base">
+                                        <p:cTn id="16" dur="500" fill="hold"/>
+                                        <p:tgtEl>
+                                          <p:spTgt spid="5"/>
+                                        </p:tgtEl>
+                                        <p:attrNameLst>
+                                          <p:attrName>ppt_y</p:attrName>
+                                        </p:attrNameLst>
+                                      </p:cBhvr>
+                                      <p:tavLst>
+                                        <p:tav tm="0">
+                                          <p:val>
+                                            <p:strVal val="#ppt_y"/>
+                                          </p:val>
+                                        </p:tav>
+                                        <p:tav tm="100000">
+                                          <p:val>
+                                            <p:strVal val="#ppt_y"/>
+                                          </p:val>
+                                        </p:tav>
+                                      </p:tavLst>
+                                    </p:anim>
+                                  </p:childTnLst>
+                                </p:cTn>
+                              </p:par>
+                              <p:par>
+                                <p:cTn id="17" presetID="2" presetClass="entr" presetSubtype="8" fill="hold" grpId="0" nodeType="withEffect">
+                                  <p:stCondLst>
+                                    <p:cond delay="0"/>
+                                  </p:stCondLst>
+                                  <p:childTnLst>
+                                    <p:set>
+                                      <p:cBhvr>
+                                        <p:cTn id="18" dur="1" fill="hold">
+                                          <p:stCondLst>
+                                            <p:cond delay="0"/>
+                                          </p:stCondLst>
+                                        </p:cTn>
+                                        <p:tgtEl>
+                                          <p:spTgt spid="6"/>
+                                        </p:tgtEl>
+                                        <p:attrNameLst>
+                                          <p:attrName>style.visibility</p:attrName>
+                                        </p:attrNameLst>
+                                      </p:cBhvr>
+                                      <p:to>
+                                        <p:strVal val="visible"/>
+                                      </p:to>
+                                    </p:set>
+                                    <p:anim calcmode="lin" valueType="num">
+                                      <p:cBhvr additive="base">
+                                        <p:cTn id="19" dur="500" fill="hold"/>
+                                        <p:tgtEl>
+                                          <p:spTgt spid="6"/>
+                                        </p:tgtEl>
+                                        <p:attrNameLst>
+                                          <p:attrName>ppt_x</p:attrName>
+                                        </p:attrNameLst>
+                                      </p:cBhvr>
+                                      <p:tavLst>
+                                        <p:tav tm="0">
+                                          <p:val>
+                                            <p:strVal val="0-#ppt_w/2"/>
+                                          </p:val>
+                                        </p:tav>
+                                        <p:tav tm="100000">
+                                          <p:val>
+                                            <p:strVal val="#ppt_x"/>
+                                          </p:val>
+                                        </p:tav>
+                                      </p:tavLst>
+                                    </p:anim>
+                                    <p:anim calcmode="lin" valueType="num">
+                                      <p:cBhvr additive="base">
+                                        <p:cTn id="20" dur="500" fill="hold"/>
+                                        <p:tgtEl>
+                                          <p:spTgt spid="6"/>
+                                        </p:tgtEl>
+                                        <p:attrNameLst>
+                                          <p:attrName>ppt_y</p:attrName>
+                                        </p:attrNameLst>
+                                      </p:cBhvr>
+                                      <p:tavLst>
+                                        <p:tav tm="0">
+                                          <p:val>
+                                            <p:strVal val="#ppt_y"/>
+                                          </p:val>
+                                        </p:tav>
+                                        <p:tav tm="100000">
+                                          <p:val>
+                                            <p:strVal val="#ppt_y"/>
+                                          </p:val>
+                                        </p:tav>
+                                      </p:tavLst>
+                                    </p:anim>
+                                  </p:childTnLst>
+                                </p:cTn>
+                              </p:par>
+                            </p:childTnLst>
+                          </p:cTn>
+                        </p:par>
+                      </p:childTnLst>
+                    </p:cTn>
+                  </p:par>
+                  <p:par>
+                    <p:cTn id="21" fill="hold">
+                      <p:stCondLst>
+                        <p:cond delay="indefinite"/>
+                      </p:stCondLst>
+                      <p:childTnLst>
+                        <p:par>
+                          <p:cTn id="22" fill="hold">
+                            <p:stCondLst>
+                              <p:cond delay="0"/>
+                            </p:stCondLst>
+                            <p:childTnLst>
+                              <p:par>
+                                <p:cTn id="23" presetID="2" presetClass="entr" presetSubtype="2" fill="hold" grpId="0" nodeType="clickEffect">
+                                  <p:stCondLst>
+                                    <p:cond delay="0"/>
+                                  </p:stCondLst>
+                                  <p:childTnLst>
+                                    <p:set>
+                                      <p:cBhvr>
+                                        <p:cTn id="24" dur="1" fill="hold">
+                                          <p:stCondLst>
+                                            <p:cond delay="0"/>
+                                          </p:stCondLst>
+                                        </p:cTn>
+                                        <p:tgtEl>
+                                          <p:spTgt spid="7"/>
+                                        </p:tgtEl>
+                                        <p:attrNameLst>
+                                          <p:attrName>style.visibility</p:attrName>
+                                        </p:attrNameLst>
+                                      </p:cBhvr>
+                                      <p:to>
+                                        <p:strVal val="visible"/>
+                                      </p:to>
+                                    </p:set>
+                                    <p:anim calcmode="lin" valueType="num">
+                                      <p:cBhvr additive="base">
+                                        <p:cTn id="25" dur="500" fill="hold"/>
+                                        <p:tgtEl>
+                                          <p:spTgt spid="7"/>
+                                        </p:tgtEl>
+                                        <p:attrNameLst>
+                                          <p:attrName>ppt_x</p:attrName>
+                                        </p:attrNameLst>
+                                      </p:cBhvr>
+                                      <p:tavLst>
+                                        <p:tav tm="0">
+                                          <p:val>
+                                            <p:strVal val="1+#ppt_w/2"/>
+                                          </p:val>
+                                        </p:tav>
+                                        <p:tav tm="100000">
+                                          <p:val>
+                                            <p:strVal val="#ppt_x"/>
+                                          </p:val>
+                                        </p:tav>
+                                      </p:tavLst>
+                                    </p:anim>
+                                    <p:anim calcmode="lin" valueType="num">
+                                      <p:cBhvr additive="base">
+                                        <p:cTn id="26" dur="500" fill="hold"/>
+                                        <p:tgtEl>
+                                          <p:spTgt spid="7"/>
+                                        </p:tgtEl>
+                                        <p:attrNameLst>
+                                          <p:attrName>ppt_y</p:attrName>
+                                        </p:attrNameLst>
+                                      </p:cBhvr>
+                                      <p:tavLst>
+                                        <p:tav tm="0">
+                                          <p:val>
+                                            <p:strVal val="#ppt_y"/>
+                                          </p:val>
+                                        </p:tav>
+                                        <p:tav tm="100000">
+                                          <p:val>
+                                            <p:strVal val="#ppt_y"/>
+                                          </p:val>
+                                        </p:tav>
+                                      </p:tavLst>
+                                    </p:anim>
+                                  </p:childTnLst>
+                                </p:cTn>
+                              </p:par>
+                              <p:par>
+                                <p:cTn id="27" presetID="2" presetClass="entr" presetSubtype="2" fill="hold" grpId="0" nodeType="withEffect">
+                                  <p:stCondLst>
+                                    <p:cond delay="0"/>
+                                  </p:stCondLst>
+                                  <p:childTnLst>
+                                    <p:set>
+                                      <p:cBhvr>
+                                        <p:cTn id="28" dur="1" fill="hold">
+                                          <p:stCondLst>
+                                            <p:cond delay="0"/>
+                                          </p:stCondLst>
+                                        </p:cTn>
+                                        <p:tgtEl>
+                                          <p:spTgt spid="14"/>
+                                        </p:tgtEl>
+                                        <p:attrNameLst>
+                                          <p:attrName>style.visibility</p:attrName>
+                                        </p:attrNameLst>
+                                      </p:cBhvr>
+                                      <p:to>
+                                        <p:strVal val="visible"/>
+                                      </p:to>
+                                    </p:set>
+                                    <p:anim calcmode="lin" valueType="num">
+                                      <p:cBhvr additive="base">
+                                        <p:cTn id="29" dur="500" fill="hold"/>
+                                        <p:tgtEl>
+                                          <p:spTgt spid="14"/>
+                                        </p:tgtEl>
+                                        <p:attrNameLst>
+                                          <p:attrName>ppt_x</p:attrName>
+                                        </p:attrNameLst>
+                                      </p:cBhvr>
+                                      <p:tavLst>
+                                        <p:tav tm="0">
+                                          <p:val>
+                                            <p:strVal val="1+#ppt_w/2"/>
+                                          </p:val>
+                                        </p:tav>
+                                        <p:tav tm="100000">
+                                          <p:val>
+                                            <p:strVal val="#ppt_x"/>
+                                          </p:val>
+                                        </p:tav>
+                                      </p:tavLst>
+                                    </p:anim>
+                                    <p:anim calcmode="lin" valueType="num">
+                                      <p:cBhvr additive="base">
+                                        <p:cTn id="30" dur="500" fill="hold"/>
+                                        <p:tgtEl>
+                                          <p:spTgt spid="14"/>
+                                        </p:tgtEl>
+                                        <p:attrNameLst>
+                                          <p:attrName>ppt_y</p:attrName>
+                                        </p:attrNameLst>
+                                      </p:cBhvr>
+                                      <p:tavLst>
+                                        <p:tav tm="0">
+                                          <p:val>
+                                            <p:strVal val="#ppt_y"/>
+                                          </p:val>
+                                        </p:tav>
+                                        <p:tav tm="100000">
+                                          <p:val>
+                                            <p:strVal val="#ppt_y"/>
+                                          </p:val>
+                                        </p:tav>
+                                      </p:tavLst>
+                                    </p:anim>
+                                  </p:childTnLst>
+                                </p:cTn>
+                              </p:par>
+                              <p:par>
+                                <p:cTn id="31" presetID="2" presetClass="entr" presetSubtype="2" fill="hold" grpId="0" nodeType="withEffect">
+                                  <p:stCondLst>
+                                    <p:cond delay="0"/>
+                                  </p:stCondLst>
+                                  <p:childTnLst>
+                                    <p:set>
+                                      <p:cBhvr>
+                                        <p:cTn id="32" dur="1" fill="hold">
+                                          <p:stCondLst>
+                                            <p:cond delay="0"/>
+                                          </p:stCondLst>
+                                        </p:cTn>
+                                        <p:tgtEl>
+                                          <p:spTgt spid="15"/>
+                                        </p:tgtEl>
+                                        <p:attrNameLst>
+                                          <p:attrName>style.visibility</p:attrName>
+                                        </p:attrNameLst>
+                                      </p:cBhvr>
+                                      <p:to>
+                                        <p:strVal val="visible"/>
+                                      </p:to>
+                                    </p:set>
+                                    <p:anim calcmode="lin" valueType="num">
+                                      <p:cBhvr additive="base">
+                                        <p:cTn id="33" dur="500" fill="hold"/>
+                                        <p:tgtEl>
+                                          <p:spTgt spid="15"/>
+                                        </p:tgtEl>
+                                        <p:attrNameLst>
+                                          <p:attrName>ppt_x</p:attrName>
+                                        </p:attrNameLst>
+                                      </p:cBhvr>
+                                      <p:tavLst>
+                                        <p:tav tm="0">
+                                          <p:val>
+                                            <p:strVal val="1+#ppt_w/2"/>
+                                          </p:val>
+                                        </p:tav>
+                                        <p:tav tm="100000">
+                                          <p:val>
+                                            <p:strVal val="#ppt_x"/>
+                                          </p:val>
+                                        </p:tav>
+                                      </p:tavLst>
+                                    </p:anim>
+                                    <p:anim calcmode="lin" valueType="num">
+                                      <p:cBhvr additive="base">
+                                        <p:cTn id="34" dur="500" fill="hold"/>
+                                        <p:tgtEl>
+                                          <p:spTgt spid="15"/>
+                                        </p:tgtEl>
+                                        <p:attrNameLst>
+                                          <p:attrName>ppt_y</p:attrName>
+                                        </p:attrNameLst>
+                                      </p:cBhvr>
+                                      <p:tavLst>
+                                        <p:tav tm="0">
+                                          <p:val>
+                                            <p:strVal val="#ppt_y"/>
+                                          </p:val>
+                                        </p:tav>
+                                        <p:tav tm="100000">
+                                          <p:val>
+                                            <p:strVal val="#ppt_y"/>
+                                          </p:val>
+                                        </p:tav>
+                                      </p:tavLst>
+                                    </p:anim>
+                                  </p:childTnLst>
+                                </p:cTn>
+                              </p:par>
+                            </p:childTnLst>
+                          </p:cTn>
+                        </p:par>
+                      </p:childTnLst>
+                    </p:cTn>
+                  </p:par>
+                  <p:par>
+                    <p:cTn id="35" fill="hold">
+                      <p:stCondLst>
+                        <p:cond delay="indefinite"/>
+                      </p:stCondLst>
+                      <p:childTnLst>
+                        <p:par>
+                          <p:cTn id="36" fill="hold">
+                            <p:stCondLst>
+                              <p:cond delay="0"/>
+                            </p:stCondLst>
+                            <p:childTnLst>
+                              <p:par>
+                                <p:cTn id="37" presetID="2" presetClass="entr" presetSubtype="8" fill="hold" grpId="0" nodeType="clickEffect">
+                                  <p:stCondLst>
+                                    <p:cond delay="0"/>
+                                  </p:stCondLst>
+                                  <p:childTnLst>
+                                    <p:set>
+                                      <p:cBhvr>
+                                        <p:cTn id="38" dur="1" fill="hold">
+                                          <p:stCondLst>
+                                            <p:cond delay="0"/>
+                                          </p:stCondLst>
+                                        </p:cTn>
+                                        <p:tgtEl>
+                                          <p:spTgt spid="8"/>
+                                        </p:tgtEl>
+                                        <p:attrNameLst>
+                                          <p:attrName>style.visibility</p:attrName>
+                                        </p:attrNameLst>
+                                      </p:cBhvr>
+                                      <p:to>
+                                        <p:strVal val="visible"/>
+                                      </p:to>
+                                    </p:set>
+                                    <p:anim calcmode="lin" valueType="num">
+                                      <p:cBhvr additive="base">
+                                        <p:cTn id="39" dur="500" fill="hold"/>
+                                        <p:tgtEl>
+                                          <p:spTgt spid="8"/>
+                                        </p:tgtEl>
+                                        <p:attrNameLst>
+                                          <p:attrName>ppt_x</p:attrName>
+                                        </p:attrNameLst>
+                                      </p:cBhvr>
+                                      <p:tavLst>
+                                        <p:tav tm="0">
+                                          <p:val>
+                                            <p:strVal val="0-#ppt_w/2"/>
+                                          </p:val>
+                                        </p:tav>
+                                        <p:tav tm="100000">
+                                          <p:val>
+                                            <p:strVal val="#ppt_x"/>
+                                          </p:val>
+                                        </p:tav>
+                                      </p:tavLst>
+                                    </p:anim>
+                                    <p:anim calcmode="lin" valueType="num">
+                                      <p:cBhvr additive="base">
+                                        <p:cTn id="40" dur="500" fill="hold"/>
+                                        <p:tgtEl>
+                                          <p:spTgt spid="8"/>
+                                        </p:tgtEl>
+                                        <p:attrNameLst>
+                                          <p:attrName>ppt_y</p:attrName>
+                                        </p:attrNameLst>
+                                      </p:cBhvr>
+                                      <p:tavLst>
+                                        <p:tav tm="0">
+                                          <p:val>
+                                            <p:strVal val="#ppt_y"/>
+                                          </p:val>
+                                        </p:tav>
+                                        <p:tav tm="100000">
+                                          <p:val>
+                                            <p:strVal val="#ppt_y"/>
+                                          </p:val>
+                                        </p:tav>
+                                      </p:tavLst>
+                                    </p:anim>
+                                  </p:childTnLst>
+                                </p:cTn>
+                              </p:par>
+                              <p:par>
+                                <p:cTn id="41" presetID="2" presetClass="entr" presetSubtype="8" fill="hold" grpId="0" nodeType="withEffect">
+                                  <p:stCondLst>
+                                    <p:cond delay="0"/>
+                                  </p:stCondLst>
+                                  <p:childTnLst>
+                                    <p:set>
+                                      <p:cBhvr>
+                                        <p:cTn id="42" dur="1" fill="hold">
+                                          <p:stCondLst>
+                                            <p:cond delay="0"/>
+                                          </p:stCondLst>
+                                        </p:cTn>
+                                        <p:tgtEl>
+                                          <p:spTgt spid="9"/>
+                                        </p:tgtEl>
+                                        <p:attrNameLst>
+                                          <p:attrName>style.visibility</p:attrName>
+                                        </p:attrNameLst>
+                                      </p:cBhvr>
+                                      <p:to>
+                                        <p:strVal val="visible"/>
+                                      </p:to>
+                                    </p:set>
+                                    <p:anim calcmode="lin" valueType="num">
+                                      <p:cBhvr additive="base">
+                                        <p:cTn id="43" dur="500" fill="hold"/>
+                                        <p:tgtEl>
+                                          <p:spTgt spid="9"/>
+                                        </p:tgtEl>
+                                        <p:attrNameLst>
+                                          <p:attrName>ppt_x</p:attrName>
+                                        </p:attrNameLst>
+                                      </p:cBhvr>
+                                      <p:tavLst>
+                                        <p:tav tm="0">
+                                          <p:val>
+                                            <p:strVal val="0-#ppt_w/2"/>
+                                          </p:val>
+                                        </p:tav>
+                                        <p:tav tm="100000">
+                                          <p:val>
+                                            <p:strVal val="#ppt_x"/>
+                                          </p:val>
+                                        </p:tav>
+                                      </p:tavLst>
+                                    </p:anim>
+                                    <p:anim calcmode="lin" valueType="num">
+                                      <p:cBhvr additive="base">
+                                        <p:cTn id="44" dur="500" fill="hold"/>
+                                        <p:tgtEl>
+                                          <p:spTgt spid="9"/>
+                                        </p:tgtEl>
+                                        <p:attrNameLst>
+                                          <p:attrName>ppt_y</p:attrName>
+                                        </p:attrNameLst>
+                                      </p:cBhvr>
+                                      <p:tavLst>
+                                        <p:tav tm="0">
+                                          <p:val>
+                                            <p:strVal val="#ppt_y"/>
+                                          </p:val>
+                                        </p:tav>
+                                        <p:tav tm="100000">
+                                          <p:val>
+                                            <p:strVal val="#ppt_y"/>
+                                          </p:val>
+                                        </p:tav>
+                                      </p:tavLst>
+                                    </p:anim>
+                                  </p:childTnLst>
+                                </p:cTn>
+                              </p:par>
+                              <p:par>
+                                <p:cTn id="45" presetID="2" presetClass="entr" presetSubtype="8" fill="hold" grpId="0" nodeType="withEffect">
+                                  <p:stCondLst>
+                                    <p:cond delay="0"/>
+                                  </p:stCondLst>
+                                  <p:childTnLst>
+                                    <p:set>
+                                      <p:cBhvr>
+                                        <p:cTn id="46" dur="1" fill="hold">
+                                          <p:stCondLst>
+                                            <p:cond delay="0"/>
+                                          </p:stCondLst>
+                                        </p:cTn>
+                                        <p:tgtEl>
+                                          <p:spTgt spid="10"/>
+                                        </p:tgtEl>
+                                        <p:attrNameLst>
+                                          <p:attrName>style.visibility</p:attrName>
+                                        </p:attrNameLst>
+                                      </p:cBhvr>
+                                      <p:to>
+                                        <p:strVal val="visible"/>
+                                      </p:to>
+                                    </p:set>
+                                    <p:anim calcmode="lin" valueType="num">
+                                      <p:cBhvr additive="base">
+                                        <p:cTn id="47" dur="500" fill="hold"/>
+                                        <p:tgtEl>
+                                          <p:spTgt spid="10"/>
+                                        </p:tgtEl>
+                                        <p:attrNameLst>
+                                          <p:attrName>ppt_x</p:attrName>
+                                        </p:attrNameLst>
+                                      </p:cBhvr>
+                                      <p:tavLst>
+                                        <p:tav tm="0">
+                                          <p:val>
+                                            <p:strVal val="0-#ppt_w/2"/>
+                                          </p:val>
+                                        </p:tav>
+                                        <p:tav tm="100000">
+                                          <p:val>
+                                            <p:strVal val="#ppt_x"/>
+                                          </p:val>
+                                        </p:tav>
+                                      </p:tavLst>
+                                    </p:anim>
+                                    <p:anim calcmode="lin" valueType="num">
+                                      <p:cBhvr additive="base">
+                                        <p:cTn id="48" dur="500" fill="hold"/>
+                                        <p:tgtEl>
+                                          <p:spTgt spid="10"/>
+                                        </p:tgtEl>
+                                        <p:attrNameLst>
+                                          <p:attrName>ppt_y</p:attrName>
+                                        </p:attrNameLst>
+                                      </p:cBhvr>
+                                      <p:tavLst>
+                                        <p:tav tm="0">
+                                          <p:val>
+                                            <p:strVal val="#ppt_y"/>
+                                          </p:val>
+                                        </p:tav>
+                                        <p:tav tm="100000">
+                                          <p:val>
+                                            <p:strVal val="#ppt_y"/>
+                                          </p:val>
+                                        </p:tav>
+                                      </p:tavLst>
+                                    </p:anim>
+                                  </p:childTnLst>
+                                </p:cTn>
+                              </p:par>
+                              <p:par>
+                                <p:cTn id="49" presetID="2" presetClass="entr" presetSubtype="8" fill="hold" grpId="0" nodeType="withEffect">
+                                  <p:stCondLst>
+                                    <p:cond delay="0"/>
+                                  </p:stCondLst>
+                                  <p:childTnLst>
+                                    <p:set>
+                                      <p:cBhvr>
+                                        <p:cTn id="50" dur="1" fill="hold">
+                                          <p:stCondLst>
+                                            <p:cond delay="0"/>
+                                          </p:stCondLst>
+                                        </p:cTn>
+                                        <p:tgtEl>
+                                          <p:spTgt spid="17"/>
+                                        </p:tgtEl>
+                                        <p:attrNameLst>
+                                          <p:attrName>style.visibility</p:attrName>
+                                        </p:attrNameLst>
+                                      </p:cBhvr>
+                                      <p:to>
+                                        <p:strVal val="visible"/>
+                                      </p:to>
+                                    </p:set>
+                                    <p:anim calcmode="lin" valueType="num">
+                                      <p:cBhvr additive="base">
+                                        <p:cTn id="51" dur="500" fill="hold"/>
+                                        <p:tgtEl>
+                                          <p:spTgt spid="17"/>
+                                        </p:tgtEl>
+                                        <p:attrNameLst>
+                                          <p:attrName>ppt_x</p:attrName>
+                                        </p:attrNameLst>
+                                      </p:cBhvr>
+                                      <p:tavLst>
+                                        <p:tav tm="0">
+                                          <p:val>
+                                            <p:strVal val="0-#ppt_w/2"/>
+                                          </p:val>
+                                        </p:tav>
+                                        <p:tav tm="100000">
+                                          <p:val>
+                                            <p:strVal val="#ppt_x"/>
+                                          </p:val>
+                                        </p:tav>
+                                      </p:tavLst>
+                                    </p:anim>
+                                    <p:anim calcmode="lin" valueType="num">
+                                      <p:cBhvr additive="base">
+                                        <p:cTn id="52" dur="500" fill="hold"/>
+                                        <p:tgtEl>
+                                          <p:spTgt spid="17"/>
+                                        </p:tgtEl>
+                                        <p:attrNameLst>
+                                          <p:attrName>ppt_y</p:attrName>
+                                        </p:attrNameLst>
+                                      </p:cBhvr>
+                                      <p:tavLst>
+                                        <p:tav tm="0">
+                                          <p:val>
+                                            <p:strVal val="#ppt_y"/>
+                                          </p:val>
+                                        </p:tav>
+                                        <p:tav tm="100000">
+                                          <p:val>
+                                            <p:strVal val="#ppt_y"/>
+                                          </p:val>
+                                        </p:tav>
+                                      </p:tavLst>
+                                    </p:anim>
+                                  </p:childTnLst>
+                                </p:cTn>
+                              </p:par>
+                              <p:par>
+                                <p:cTn id="53" presetID="2" presetClass="entr" presetSubtype="8" fill="hold" grpId="0" nodeType="withEffect">
+                                  <p:stCondLst>
+                                    <p:cond delay="0"/>
+                                  </p:stCondLst>
+                                  <p:childTnLst>
+                                    <p:set>
+                                      <p:cBhvr>
+                                        <p:cTn id="54" dur="1" fill="hold">
+                                          <p:stCondLst>
+                                            <p:cond delay="0"/>
+                                          </p:stCondLst>
+                                        </p:cTn>
+                                        <p:tgtEl>
+                                          <p:spTgt spid="20"/>
+                                        </p:tgtEl>
+                                        <p:attrNameLst>
+                                          <p:attrName>style.visibility</p:attrName>
+                                        </p:attrNameLst>
+                                      </p:cBhvr>
+                                      <p:to>
+                                        <p:strVal val="visible"/>
+                                      </p:to>
+                                    </p:set>
+                                    <p:anim calcmode="lin" valueType="num">
+                                      <p:cBhvr additive="base">
+                                        <p:cTn id="55" dur="500" fill="hold"/>
+                                        <p:tgtEl>
+                                          <p:spTgt spid="20"/>
+                                        </p:tgtEl>
+                                        <p:attrNameLst>
+                                          <p:attrName>ppt_x</p:attrName>
+                                        </p:attrNameLst>
+                                      </p:cBhvr>
+                                      <p:tavLst>
+                                        <p:tav tm="0">
+                                          <p:val>
+                                            <p:strVal val="0-#ppt_w/2"/>
+                                          </p:val>
+                                        </p:tav>
+                                        <p:tav tm="100000">
+                                          <p:val>
+                                            <p:strVal val="#ppt_x"/>
+                                          </p:val>
+                                        </p:tav>
+                                      </p:tavLst>
+                                    </p:anim>
+                                    <p:anim calcmode="lin" valueType="num">
+                                      <p:cBhvr additive="base">
+                                        <p:cTn id="56" dur="500" fill="hold"/>
+                                        <p:tgtEl>
+                                          <p:spTgt spid="20"/>
+                                        </p:tgtEl>
+                                        <p:attrNameLst>
+                                          <p:attrName>ppt_y</p:attrName>
+                                        </p:attrNameLst>
+                                      </p:cBhvr>
+                                      <p:tavLst>
+                                        <p:tav tm="0">
+                                          <p:val>
+                                            <p:strVal val="#ppt_y"/>
+                                          </p:val>
+                                        </p:tav>
+                                        <p:tav tm="100000">
+                                          <p:val>
+                                            <p:strVal val="#ppt_y"/>
+                                          </p:val>
+                                        </p:tav>
+                                      </p:tavLst>
+                                    </p:anim>
+                                  </p:childTnLst>
+                                </p:cTn>
+                              </p:par>
+                              <p:par>
+                                <p:cTn id="57" presetID="2" presetClass="entr" presetSubtype="8" fill="hold" grpId="0" nodeType="withEffect">
+                                  <p:stCondLst>
+                                    <p:cond delay="0"/>
+                                  </p:stCondLst>
+                                  <p:childTnLst>
+                                    <p:set>
+                                      <p:cBhvr>
+                                        <p:cTn id="58" dur="1" fill="hold">
+                                          <p:stCondLst>
+                                            <p:cond delay="0"/>
+                                          </p:stCondLst>
+                                        </p:cTn>
+                                        <p:tgtEl>
+                                          <p:spTgt spid="23"/>
+                                        </p:tgtEl>
+                                        <p:attrNameLst>
+                                          <p:attrName>style.visibility</p:attrName>
+                                        </p:attrNameLst>
+                                      </p:cBhvr>
+                                      <p:to>
+                                        <p:strVal val="visible"/>
+                                      </p:to>
+                                    </p:set>
+                                    <p:anim calcmode="lin" valueType="num">
+                                      <p:cBhvr additive="base">
+                                        <p:cTn id="59" dur="500" fill="hold"/>
+                                        <p:tgtEl>
+                                          <p:spTgt spid="23"/>
+                                        </p:tgtEl>
+                                        <p:attrNameLst>
+                                          <p:attrName>ppt_x</p:attrName>
+                                        </p:attrNameLst>
+                                      </p:cBhvr>
+                                      <p:tavLst>
+                                        <p:tav tm="0">
+                                          <p:val>
+                                            <p:strVal val="0-#ppt_w/2"/>
+                                          </p:val>
+                                        </p:tav>
+                                        <p:tav tm="100000">
+                                          <p:val>
+                                            <p:strVal val="#ppt_x"/>
+                                          </p:val>
+                                        </p:tav>
+                                      </p:tavLst>
+                                    </p:anim>
+                                    <p:anim calcmode="lin" valueType="num">
+                                      <p:cBhvr additive="base">
+                                        <p:cTn id="60" dur="500" fill="hold"/>
+                                        <p:tgtEl>
+                                          <p:spTgt spid="23"/>
+                                        </p:tgtEl>
+                                        <p:attrNameLst>
+                                          <p:attrName>ppt_y</p:attrName>
+                                        </p:attrNameLst>
+                                      </p:cBhvr>
+                                      <p:tavLst>
+                                        <p:tav tm="0">
+                                          <p:val>
+                                            <p:strVal val="#ppt_y"/>
+                                          </p:val>
+                                        </p:tav>
+                                        <p:tav tm="100000">
+                                          <p:val>
+                                            <p:strVal val="#ppt_y"/>
+                                          </p:val>
+                                        </p:tav>
+                                      </p:tavLst>
+                                    </p:anim>
+                                  </p:childTnLst>
+                                </p:cTn>
+                              </p:par>
+                            </p:childTnLst>
+                          </p:cTn>
+                        </p:par>
+                      </p:childTnLst>
+                    </p:cTn>
+                  </p:par>
+                  <p:par>
+                    <p:cTn id="61" fill="hold">
+                      <p:stCondLst>
+                        <p:cond delay="indefinite"/>
+                      </p:stCondLst>
+                      <p:childTnLst>
+                        <p:par>
+                          <p:cTn id="62" fill="hold">
+                            <p:stCondLst>
+                              <p:cond delay="0"/>
+                            </p:stCondLst>
+                            <p:childTnLst>
+                              <p:par>
+                                <p:cTn id="63" presetID="2" presetClass="entr" presetSubtype="2" fill="hold" grpId="0" nodeType="clickEffect">
+                                  <p:stCondLst>
+                                    <p:cond delay="0"/>
+                                  </p:stCondLst>
+                                  <p:childTnLst>
+                                    <p:set>
+                                      <p:cBhvr>
+                                        <p:cTn id="64" dur="1" fill="hold">
+                                          <p:stCondLst>
+                                            <p:cond delay="0"/>
+                                          </p:stCondLst>
+                                        </p:cTn>
+                                        <p:tgtEl>
+                                          <p:spTgt spid="11"/>
+                                        </p:tgtEl>
+                                        <p:attrNameLst>
+                                          <p:attrName>style.visibility</p:attrName>
+                                        </p:attrNameLst>
+                                      </p:cBhvr>
+                                      <p:to>
+                                        <p:strVal val="visible"/>
+                                      </p:to>
+                                    </p:set>
+                                    <p:anim calcmode="lin" valueType="num">
+                                      <p:cBhvr additive="base">
+                                        <p:cTn id="65" dur="500" fill="hold"/>
+                                        <p:tgtEl>
+                                          <p:spTgt spid="11"/>
+                                        </p:tgtEl>
+                                        <p:attrNameLst>
+                                          <p:attrName>ppt_x</p:attrName>
+                                        </p:attrNameLst>
+                                      </p:cBhvr>
+                                      <p:tavLst>
+                                        <p:tav tm="0">
+                                          <p:val>
+                                            <p:strVal val="1+#ppt_w/2"/>
+                                          </p:val>
+                                        </p:tav>
+                                        <p:tav tm="100000">
+                                          <p:val>
+                                            <p:strVal val="#ppt_x"/>
+                                          </p:val>
+                                        </p:tav>
+                                      </p:tavLst>
+                                    </p:anim>
+                                    <p:anim calcmode="lin" valueType="num">
+                                      <p:cBhvr additive="base">
+                                        <p:cTn id="66" dur="500" fill="hold"/>
+                                        <p:tgtEl>
+                                          <p:spTgt spid="11"/>
+                                        </p:tgtEl>
+                                        <p:attrNameLst>
+                                          <p:attrName>ppt_y</p:attrName>
+                                        </p:attrNameLst>
+                                      </p:cBhvr>
+                                      <p:tavLst>
+                                        <p:tav tm="0">
+                                          <p:val>
+                                            <p:strVal val="#ppt_y"/>
+                                          </p:val>
+                                        </p:tav>
+                                        <p:tav tm="100000">
+                                          <p:val>
+                                            <p:strVal val="#ppt_y"/>
+                                          </p:val>
+                                        </p:tav>
+                                      </p:tavLst>
+                                    </p:anim>
+                                  </p:childTnLst>
+                                </p:cTn>
+                              </p:par>
+                              <p:par>
+                                <p:cTn id="67" presetID="2" presetClass="entr" presetSubtype="2" fill="hold" grpId="0" nodeType="withEffect">
+                                  <p:stCondLst>
+                                    <p:cond delay="0"/>
+                                  </p:stCondLst>
+                                  <p:childTnLst>
+                                    <p:set>
+                                      <p:cBhvr>
+                                        <p:cTn id="68" dur="1" fill="hold">
+                                          <p:stCondLst>
+                                            <p:cond delay="0"/>
+                                          </p:stCondLst>
+                                        </p:cTn>
+                                        <p:tgtEl>
+                                          <p:spTgt spid="12"/>
+                                        </p:tgtEl>
+                                        <p:attrNameLst>
+                                          <p:attrName>style.visibility</p:attrName>
+                                        </p:attrNameLst>
+                                      </p:cBhvr>
+                                      <p:to>
+                                        <p:strVal val="visible"/>
+                                      </p:to>
+                                    </p:set>
+                                    <p:anim calcmode="lin" valueType="num">
+                                      <p:cBhvr additive="base">
+                                        <p:cTn id="69" dur="500" fill="hold"/>
+                                        <p:tgtEl>
+                                          <p:spTgt spid="12"/>
+                                        </p:tgtEl>
+                                        <p:attrNameLst>
+                                          <p:attrName>ppt_x</p:attrName>
+                                        </p:attrNameLst>
+                                      </p:cBhvr>
+                                      <p:tavLst>
+                                        <p:tav tm="0">
+                                          <p:val>
+                                            <p:strVal val="1+#ppt_w/2"/>
+                                          </p:val>
+                                        </p:tav>
+                                        <p:tav tm="100000">
+                                          <p:val>
+                                            <p:strVal val="#ppt_x"/>
+                                          </p:val>
+                                        </p:tav>
+                                      </p:tavLst>
+                                    </p:anim>
+                                    <p:anim calcmode="lin" valueType="num">
+                                      <p:cBhvr additive="base">
+                                        <p:cTn id="70" dur="500" fill="hold"/>
+                                        <p:tgtEl>
+                                          <p:spTgt spid="12"/>
+                                        </p:tgtEl>
+                                        <p:attrNameLst>
+                                          <p:attrName>ppt_y</p:attrName>
+                                        </p:attrNameLst>
+                                      </p:cBhvr>
+                                      <p:tavLst>
+                                        <p:tav tm="0">
+                                          <p:val>
+                                            <p:strVal val="#ppt_y"/>
+                                          </p:val>
+                                        </p:tav>
+                                        <p:tav tm="100000">
+                                          <p:val>
+                                            <p:strVal val="#ppt_y"/>
+                                          </p:val>
+                                        </p:tav>
+                                      </p:tavLst>
+                                    </p:anim>
+                                  </p:childTnLst>
+                                </p:cTn>
+                              </p:par>
+                              <p:par>
+                                <p:cTn id="71" presetID="2" presetClass="entr" presetSubtype="2" fill="hold" grpId="0" nodeType="withEffect">
+                                  <p:stCondLst>
+                                    <p:cond delay="0"/>
+                                  </p:stCondLst>
+                                  <p:childTnLst>
+                                    <p:set>
+                                      <p:cBhvr>
+                                        <p:cTn id="72" dur="1" fill="hold">
+                                          <p:stCondLst>
+                                            <p:cond delay="0"/>
+                                          </p:stCondLst>
+                                        </p:cTn>
+                                        <p:tgtEl>
+                                          <p:spTgt spid="13"/>
+                                        </p:tgtEl>
+                                        <p:attrNameLst>
+                                          <p:attrName>style.visibility</p:attrName>
+                                        </p:attrNameLst>
+                                      </p:cBhvr>
+                                      <p:to>
+                                        <p:strVal val="visible"/>
+                                      </p:to>
+                                    </p:set>
+                                    <p:anim calcmode="lin" valueType="num">
+                                      <p:cBhvr additive="base">
+                                        <p:cTn id="73" dur="500" fill="hold"/>
+                                        <p:tgtEl>
+                                          <p:spTgt spid="13"/>
+                                        </p:tgtEl>
+                                        <p:attrNameLst>
+                                          <p:attrName>ppt_x</p:attrName>
+                                        </p:attrNameLst>
+                                      </p:cBhvr>
+                                      <p:tavLst>
+                                        <p:tav tm="0">
+                                          <p:val>
+                                            <p:strVal val="1+#ppt_w/2"/>
+                                          </p:val>
+                                        </p:tav>
+                                        <p:tav tm="100000">
+                                          <p:val>
+                                            <p:strVal val="#ppt_x"/>
+                                          </p:val>
+                                        </p:tav>
+                                      </p:tavLst>
+                                    </p:anim>
+                                    <p:anim calcmode="lin" valueType="num">
+                                      <p:cBhvr additive="base">
+                                        <p:cTn id="74" dur="500" fill="hold"/>
+                                        <p:tgtEl>
+                                          <p:spTgt spid="13"/>
+                                        </p:tgtEl>
+                                        <p:attrNameLst>
+                                          <p:attrName>ppt_y</p:attrName>
+                                        </p:attrNameLst>
+                                      </p:cBhvr>
+                                      <p:tavLst>
+                                        <p:tav tm="0">
+                                          <p:val>
+                                            <p:strVal val="#ppt_y"/>
+                                          </p:val>
+                                        </p:tav>
+                                        <p:tav tm="100000">
+                                          <p:val>
+                                            <p:strVal val="#ppt_y"/>
+                                          </p:val>
+                                        </p:tav>
+                                      </p:tavLst>
+                                    </p:anim>
+                                  </p:childTnLst>
+                                </p:cTn>
+                              </p:par>
+                              <p:par>
+                                <p:cTn id="75" presetID="2" presetClass="entr" presetSubtype="2" fill="hold" grpId="0" nodeType="withEffect">
+                                  <p:stCondLst>
+                                    <p:cond delay="0"/>
+                                  </p:stCondLst>
+                                  <p:childTnLst>
+                                    <p:set>
+                                      <p:cBhvr>
+                                        <p:cTn id="76" dur="1" fill="hold">
+                                          <p:stCondLst>
+                                            <p:cond delay="0"/>
+                                          </p:stCondLst>
+                                        </p:cTn>
+                                        <p:tgtEl>
+                                          <p:spTgt spid="18"/>
+                                        </p:tgtEl>
+                                        <p:attrNameLst>
+                                          <p:attrName>style.visibility</p:attrName>
+                                        </p:attrNameLst>
+                                      </p:cBhvr>
+                                      <p:to>
+                                        <p:strVal val="visible"/>
+                                      </p:to>
+                                    </p:set>
+                                    <p:anim calcmode="lin" valueType="num">
+                                      <p:cBhvr additive="base">
+                                        <p:cTn id="77" dur="500" fill="hold"/>
+                                        <p:tgtEl>
+                                          <p:spTgt spid="18"/>
+                                        </p:tgtEl>
+                                        <p:attrNameLst>
+                                          <p:attrName>ppt_x</p:attrName>
+                                        </p:attrNameLst>
+                                      </p:cBhvr>
+                                      <p:tavLst>
+                                        <p:tav tm="0">
+                                          <p:val>
+                                            <p:strVal val="1+#ppt_w/2"/>
+                                          </p:val>
+                                        </p:tav>
+                                        <p:tav tm="100000">
+                                          <p:val>
+                                            <p:strVal val="#ppt_x"/>
+                                          </p:val>
+                                        </p:tav>
+                                      </p:tavLst>
+                                    </p:anim>
+                                    <p:anim calcmode="lin" valueType="num">
+                                      <p:cBhvr additive="base">
+                                        <p:cTn id="78" dur="500" fill="hold"/>
+                                        <p:tgtEl>
+                                          <p:spTgt spid="18"/>
+                                        </p:tgtEl>
+                                        <p:attrNameLst>
+                                          <p:attrName>ppt_y</p:attrName>
+                                        </p:attrNameLst>
+                                      </p:cBhvr>
+                                      <p:tavLst>
+                                        <p:tav tm="0">
+                                          <p:val>
+                                            <p:strVal val="#ppt_y"/>
+                                          </p:val>
+                                        </p:tav>
+                                        <p:tav tm="100000">
+                                          <p:val>
+                                            <p:strVal val="#ppt_y"/>
+                                          </p:val>
+                                        </p:tav>
+                                      </p:tavLst>
+                                    </p:anim>
+                                  </p:childTnLst>
+                                </p:cTn>
+                              </p:par>
+                              <p:par>
+                                <p:cTn id="79" presetID="2" presetClass="entr" presetSubtype="2" fill="hold" grpId="0" nodeType="withEffect">
+                                  <p:stCondLst>
+                                    <p:cond delay="0"/>
+                                  </p:stCondLst>
+                                  <p:childTnLst>
+                                    <p:set>
+                                      <p:cBhvr>
+                                        <p:cTn id="80" dur="1" fill="hold">
+                                          <p:stCondLst>
+                                            <p:cond delay="0"/>
+                                          </p:stCondLst>
+                                        </p:cTn>
+                                        <p:tgtEl>
+                                          <p:spTgt spid="21"/>
+                                        </p:tgtEl>
+                                        <p:attrNameLst>
+                                          <p:attrName>style.visibility</p:attrName>
+                                        </p:attrNameLst>
+                                      </p:cBhvr>
+                                      <p:to>
+                                        <p:strVal val="visible"/>
+                                      </p:to>
+                                    </p:set>
+                                    <p:anim calcmode="lin" valueType="num">
+                                      <p:cBhvr additive="base">
+                                        <p:cTn id="81" dur="500" fill="hold"/>
+                                        <p:tgtEl>
+                                          <p:spTgt spid="21"/>
+                                        </p:tgtEl>
+                                        <p:attrNameLst>
+                                          <p:attrName>ppt_x</p:attrName>
+                                        </p:attrNameLst>
+                                      </p:cBhvr>
+                                      <p:tavLst>
+                                        <p:tav tm="0">
+                                          <p:val>
+                                            <p:strVal val="1+#ppt_w/2"/>
+                                          </p:val>
+                                        </p:tav>
+                                        <p:tav tm="100000">
+                                          <p:val>
+                                            <p:strVal val="#ppt_x"/>
+                                          </p:val>
+                                        </p:tav>
+                                      </p:tavLst>
+                                    </p:anim>
+                                    <p:anim calcmode="lin" valueType="num">
+                                      <p:cBhvr additive="base">
+                                        <p:cTn id="82" dur="500" fill="hold"/>
+                                        <p:tgtEl>
+                                          <p:spTgt spid="21"/>
+                                        </p:tgtEl>
+                                        <p:attrNameLst>
+                                          <p:attrName>ppt_y</p:attrName>
+                                        </p:attrNameLst>
+                                      </p:cBhvr>
+                                      <p:tavLst>
+                                        <p:tav tm="0">
+                                          <p:val>
+                                            <p:strVal val="#ppt_y"/>
+                                          </p:val>
+                                        </p:tav>
+                                        <p:tav tm="100000">
+                                          <p:val>
+                                            <p:strVal val="#ppt_y"/>
+                                          </p:val>
+                                        </p:tav>
+                                      </p:tavLst>
+                                    </p:anim>
+                                  </p:childTnLst>
+                                </p:cTn>
+                              </p:par>
+                            </p:childTnLst>
+                          </p:cTn>
+                        </p:par>
+                      </p:childTnLst>
+                    </p:cTn>
+                  </p:par>
+                </p:childTnLst>
+              </p:cTn>
+              <p:prevCondLst>
+                <p:cond evt="onPrev" delay="0">
+                  <p:tgtEl>
+                    <p:sldTgt/>
+                  </p:tgtEl>
+                </p:cond>
+              </p:prevCondLst>
+              <p:nextCondLst>
+                <p:cond evt="onNext" delay="0">
+                  <p:tgtEl>
+                    <p:sldTgt/>
+                  </p:tgtEl>
+                </p:cond>
+              </p:nextCondLst>
+            </p:seq>
+          </p:childTnLst>
+        </p:cTn>
+      </p:par>
+    </p:tnLst>
+    <p:bldLst>
+      <p:bldP spid="4" grpId="0" animBg="1"/>
+      <p:bldP spid="3" grpId="0" build="p"/>
+      <p:bldP spid="5" grpId="0" animBg="1"/>
+      <p:bldP spid="6" grpId="0" animBg="1"/>
+      <p:bldP spid="8" grpId="0" animBg="1"/>
+      <p:bldP spid="9" grpId="0" animBg="1"/>
+      <p:bldP spid="10" grpId="0" animBg="1"/>
+      <p:bldP spid="11" grpId="0" animBg="1"/>
+      <p:bldP spid="12" grpId="0" animBg="1"/>
+      <p:bldP spid="13" grpId="0" animBg="1"/>
+      <p:bldP spid="17" grpId="0"/>
+      <p:bldP spid="18" grpId="0"/>
+      <p:bldP spid="20" grpId="0"/>
+      <p:bldP spid="21" grpId="0"/>
+      <p:bldP spid="23" grpId="0"/>
+      <p:bldP spid="7" grpId="0" animBg="1"/>
+      <p:bldP spid="14" grpId="0" animBg="1"/>
+      <p:bldP spid="15" grpId="0" animBg="1"/>
+    </p:bldLst>
+  </p:timing>
 </p:sld>
 </file>
 
@@ -7825,7 +9575,7 @@
         </p:blipFill>
         <p:spPr>
           <a:xfrm>
-            <a:off x="7214949" y="2135895"/>
+            <a:off x="7088820" y="2084064"/>
             <a:ext cx="902997" cy="902997"/>
           </a:xfrm>
           <a:prstGeom prst="rect">
@@ -8233,9 +9983,7 @@
           </a:prstGeom>
           <a:ln>
             <a:solidFill>
-              <a:schemeClr val="accent6">
-                <a:lumMod val="50000"/>
-              </a:schemeClr>
+              <a:srgbClr val="801C14"/>
             </a:solidFill>
           </a:ln>
         </p:spPr>
@@ -8618,13 +10366,12 @@
           </p:cNvPr>
           <p:cNvCxnSpPr>
             <a:cxnSpLocks/>
-            <a:stCxn id="26" idx="2"/>
           </p:cNvCxnSpPr>
           <p:nvPr/>
         </p:nvCxnSpPr>
         <p:spPr>
           <a:xfrm>
-            <a:off x="7666448" y="3038892"/>
+            <a:off x="7663646" y="3038892"/>
             <a:ext cx="0" cy="262573"/>
           </a:xfrm>
           <a:prstGeom prst="line">
@@ -8871,6 +10618,125 @@
           </a:fontRef>
         </p:style>
       </p:cxnSp>
+      <p:pic>
+        <p:nvPicPr>
+          <p:cNvPr id="8" name="Kép 7">
+            <a:extLst>
+              <a:ext uri="{FF2B5EF4-FFF2-40B4-BE49-F238E27FC236}">
+                <a16:creationId xmlns:a16="http://schemas.microsoft.com/office/drawing/2014/main" id="{4603F899-0AAB-4324-9F66-ACE683699FC0}"/>
+              </a:ext>
+            </a:extLst>
+          </p:cNvPr>
+          <p:cNvPicPr>
+            <a:picLocks noChangeAspect="1"/>
+          </p:cNvPicPr>
+          <p:nvPr/>
+        </p:nvPicPr>
+        <p:blipFill>
+          <a:blip r:embed="rId8">
+            <a:extLst>
+              <a:ext uri="{28A0092B-C50C-407E-A947-70E740481C1C}">
+                <a14:useLocalDpi xmlns:a14="http://schemas.microsoft.com/office/drawing/2010/main" val="0"/>
+              </a:ext>
+            </a:extLst>
+          </a:blip>
+          <a:stretch>
+            <a:fillRect/>
+          </a:stretch>
+        </p:blipFill>
+        <p:spPr>
+          <a:xfrm>
+            <a:off x="3517927" y="3857371"/>
+            <a:ext cx="773874" cy="773874"/>
+          </a:xfrm>
+          <a:prstGeom prst="rect">
+            <a:avLst/>
+          </a:prstGeom>
+        </p:spPr>
+      </p:pic>
+      <p:cxnSp>
+        <p:nvCxnSpPr>
+          <p:cNvPr id="12" name="Egyenes összekötő 11">
+            <a:extLst>
+              <a:ext uri="{FF2B5EF4-FFF2-40B4-BE49-F238E27FC236}">
+                <a16:creationId xmlns:a16="http://schemas.microsoft.com/office/drawing/2014/main" id="{A5C711BE-0FEE-4677-84E0-269A99735E7C}"/>
+              </a:ext>
+            </a:extLst>
+          </p:cNvPr>
+          <p:cNvCxnSpPr/>
+          <p:nvPr/>
+        </p:nvCxnSpPr>
+        <p:spPr>
+          <a:xfrm>
+            <a:off x="2868328" y="3230910"/>
+            <a:ext cx="0" cy="1013398"/>
+          </a:xfrm>
+          <a:prstGeom prst="line">
+            <a:avLst/>
+          </a:prstGeom>
+          <a:ln>
+            <a:solidFill>
+              <a:srgbClr val="801C14"/>
+            </a:solidFill>
+          </a:ln>
+        </p:spPr>
+        <p:style>
+          <a:lnRef idx="1">
+            <a:schemeClr val="accent1"/>
+          </a:lnRef>
+          <a:fillRef idx="0">
+            <a:schemeClr val="accent1"/>
+          </a:fillRef>
+          <a:effectRef idx="0">
+            <a:schemeClr val="accent1"/>
+          </a:effectRef>
+          <a:fontRef idx="minor">
+            <a:schemeClr val="tx1"/>
+          </a:fontRef>
+        </p:style>
+      </p:cxnSp>
+      <p:cxnSp>
+        <p:nvCxnSpPr>
+          <p:cNvPr id="14" name="Egyenes összekötő nyíllal 13">
+            <a:extLst>
+              <a:ext uri="{FF2B5EF4-FFF2-40B4-BE49-F238E27FC236}">
+                <a16:creationId xmlns:a16="http://schemas.microsoft.com/office/drawing/2014/main" id="{550C1B71-FA75-46D4-B48D-462E127D9FDA}"/>
+              </a:ext>
+            </a:extLst>
+          </p:cNvPr>
+          <p:cNvCxnSpPr/>
+          <p:nvPr/>
+        </p:nvCxnSpPr>
+        <p:spPr>
+          <a:xfrm>
+            <a:off x="2868328" y="4244308"/>
+            <a:ext cx="649599" cy="0"/>
+          </a:xfrm>
+          <a:prstGeom prst="straightConnector1">
+            <a:avLst/>
+          </a:prstGeom>
+          <a:ln>
+            <a:solidFill>
+              <a:srgbClr val="801C14"/>
+            </a:solidFill>
+            <a:tailEnd type="triangle"/>
+          </a:ln>
+        </p:spPr>
+        <p:style>
+          <a:lnRef idx="1">
+            <a:schemeClr val="accent1"/>
+          </a:lnRef>
+          <a:fillRef idx="0">
+            <a:schemeClr val="accent1"/>
+          </a:fillRef>
+          <a:effectRef idx="0">
+            <a:schemeClr val="accent1"/>
+          </a:effectRef>
+          <a:fontRef idx="minor">
+            <a:schemeClr val="tx1"/>
+          </a:fontRef>
+        </p:style>
+      </p:cxnSp>
     </p:spTree>
     <p:extLst>
       <p:ext uri="{BB962C8B-B14F-4D97-AF65-F5344CB8AC3E}">
@@ -8881,6 +10747,1522 @@
   <p:clrMapOvr>
     <a:masterClrMapping/>
   </p:clrMapOvr>
+  <p:transition spd="slow">
+    <p:cover/>
+  </p:transition>
+  <p:timing>
+    <p:tnLst>
+      <p:par>
+        <p:cTn id="1" dur="indefinite" restart="never" nodeType="tmRoot">
+          <p:childTnLst>
+            <p:seq concurrent="1" nextAc="seek">
+              <p:cTn id="2" dur="indefinite" nodeType="mainSeq">
+                <p:childTnLst>
+                  <p:par>
+                    <p:cTn id="3" fill="hold">
+                      <p:stCondLst>
+                        <p:cond delay="indefinite"/>
+                        <p:cond evt="onBegin" delay="0">
+                          <p:tn val="2"/>
+                        </p:cond>
+                      </p:stCondLst>
+                      <p:childTnLst>
+                        <p:par>
+                          <p:cTn id="4" fill="hold">
+                            <p:stCondLst>
+                              <p:cond delay="0"/>
+                            </p:stCondLst>
+                            <p:childTnLst>
+                              <p:par>
+                                <p:cTn id="5" presetID="10" presetClass="entr" presetSubtype="0" fill="hold" nodeType="afterEffect">
+                                  <p:stCondLst>
+                                    <p:cond delay="0"/>
+                                  </p:stCondLst>
+                                  <p:childTnLst>
+                                    <p:set>
+                                      <p:cBhvr>
+                                        <p:cTn id="6" dur="1" fill="hold">
+                                          <p:stCondLst>
+                                            <p:cond delay="0"/>
+                                          </p:stCondLst>
+                                        </p:cTn>
+                                        <p:tgtEl>
+                                          <p:spTgt spid="5"/>
+                                        </p:tgtEl>
+                                        <p:attrNameLst>
+                                          <p:attrName>style.visibility</p:attrName>
+                                        </p:attrNameLst>
+                                      </p:cBhvr>
+                                      <p:to>
+                                        <p:strVal val="visible"/>
+                                      </p:to>
+                                    </p:set>
+                                    <p:animEffect transition="in" filter="fade">
+                                      <p:cBhvr>
+                                        <p:cTn id="7" dur="750"/>
+                                        <p:tgtEl>
+                                          <p:spTgt spid="5"/>
+                                        </p:tgtEl>
+                                      </p:cBhvr>
+                                    </p:animEffect>
+                                  </p:childTnLst>
+                                </p:cTn>
+                              </p:par>
+                            </p:childTnLst>
+                          </p:cTn>
+                        </p:par>
+                        <p:par>
+                          <p:cTn id="8" fill="hold">
+                            <p:stCondLst>
+                              <p:cond delay="750"/>
+                            </p:stCondLst>
+                            <p:childTnLst>
+                              <p:par>
+                                <p:cTn id="9" presetID="10" presetClass="entr" presetSubtype="0" fill="hold" nodeType="afterEffect">
+                                  <p:stCondLst>
+                                    <p:cond delay="0"/>
+                                  </p:stCondLst>
+                                  <p:childTnLst>
+                                    <p:set>
+                                      <p:cBhvr>
+                                        <p:cTn id="10" dur="1" fill="hold">
+                                          <p:stCondLst>
+                                            <p:cond delay="0"/>
+                                          </p:stCondLst>
+                                        </p:cTn>
+                                        <p:tgtEl>
+                                          <p:spTgt spid="6"/>
+                                        </p:tgtEl>
+                                        <p:attrNameLst>
+                                          <p:attrName>style.visibility</p:attrName>
+                                        </p:attrNameLst>
+                                      </p:cBhvr>
+                                      <p:to>
+                                        <p:strVal val="visible"/>
+                                      </p:to>
+                                    </p:set>
+                                    <p:animEffect transition="in" filter="fade">
+                                      <p:cBhvr>
+                                        <p:cTn id="11" dur="750"/>
+                                        <p:tgtEl>
+                                          <p:spTgt spid="6"/>
+                                        </p:tgtEl>
+                                      </p:cBhvr>
+                                    </p:animEffect>
+                                  </p:childTnLst>
+                                </p:cTn>
+                              </p:par>
+                            </p:childTnLst>
+                          </p:cTn>
+                        </p:par>
+                        <p:par>
+                          <p:cTn id="12" fill="hold">
+                            <p:stCondLst>
+                              <p:cond delay="1500"/>
+                            </p:stCondLst>
+                            <p:childTnLst>
+                              <p:par>
+                                <p:cTn id="13" presetID="10" presetClass="entr" presetSubtype="0" fill="hold" nodeType="afterEffect">
+                                  <p:stCondLst>
+                                    <p:cond delay="0"/>
+                                  </p:stCondLst>
+                                  <p:childTnLst>
+                                    <p:set>
+                                      <p:cBhvr>
+                                        <p:cTn id="14" dur="1" fill="hold">
+                                          <p:stCondLst>
+                                            <p:cond delay="0"/>
+                                          </p:stCondLst>
+                                        </p:cTn>
+                                        <p:tgtEl>
+                                          <p:spTgt spid="26"/>
+                                        </p:tgtEl>
+                                        <p:attrNameLst>
+                                          <p:attrName>style.visibility</p:attrName>
+                                        </p:attrNameLst>
+                                      </p:cBhvr>
+                                      <p:to>
+                                        <p:strVal val="visible"/>
+                                      </p:to>
+                                    </p:set>
+                                    <p:animEffect transition="in" filter="fade">
+                                      <p:cBhvr>
+                                        <p:cTn id="15" dur="750"/>
+                                        <p:tgtEl>
+                                          <p:spTgt spid="26"/>
+                                        </p:tgtEl>
+                                      </p:cBhvr>
+                                    </p:animEffect>
+                                  </p:childTnLst>
+                                </p:cTn>
+                              </p:par>
+                              <p:par>
+                                <p:cTn id="16" presetID="10" presetClass="entr" presetSubtype="0" fill="hold" nodeType="withEffect">
+                                  <p:stCondLst>
+                                    <p:cond delay="0"/>
+                                  </p:stCondLst>
+                                  <p:childTnLst>
+                                    <p:set>
+                                      <p:cBhvr>
+                                        <p:cTn id="17" dur="1" fill="hold">
+                                          <p:stCondLst>
+                                            <p:cond delay="0"/>
+                                          </p:stCondLst>
+                                        </p:cTn>
+                                        <p:tgtEl>
+                                          <p:spTgt spid="37"/>
+                                        </p:tgtEl>
+                                        <p:attrNameLst>
+                                          <p:attrName>style.visibility</p:attrName>
+                                        </p:attrNameLst>
+                                      </p:cBhvr>
+                                      <p:to>
+                                        <p:strVal val="visible"/>
+                                      </p:to>
+                                    </p:set>
+                                    <p:animEffect transition="in" filter="fade">
+                                      <p:cBhvr>
+                                        <p:cTn id="18" dur="500"/>
+                                        <p:tgtEl>
+                                          <p:spTgt spid="37"/>
+                                        </p:tgtEl>
+                                      </p:cBhvr>
+                                    </p:animEffect>
+                                  </p:childTnLst>
+                                </p:cTn>
+                              </p:par>
+                            </p:childTnLst>
+                          </p:cTn>
+                        </p:par>
+                        <p:par>
+                          <p:cTn id="19" fill="hold">
+                            <p:stCondLst>
+                              <p:cond delay="2250"/>
+                            </p:stCondLst>
+                            <p:childTnLst>
+                              <p:par>
+                                <p:cTn id="20" presetID="10" presetClass="entr" presetSubtype="0" fill="hold" nodeType="afterEffect">
+                                  <p:stCondLst>
+                                    <p:cond delay="0"/>
+                                  </p:stCondLst>
+                                  <p:childTnLst>
+                                    <p:set>
+                                      <p:cBhvr>
+                                        <p:cTn id="21" dur="1" fill="hold">
+                                          <p:stCondLst>
+                                            <p:cond delay="0"/>
+                                          </p:stCondLst>
+                                        </p:cTn>
+                                        <p:tgtEl>
+                                          <p:spTgt spid="38"/>
+                                        </p:tgtEl>
+                                        <p:attrNameLst>
+                                          <p:attrName>style.visibility</p:attrName>
+                                        </p:attrNameLst>
+                                      </p:cBhvr>
+                                      <p:to>
+                                        <p:strVal val="visible"/>
+                                      </p:to>
+                                    </p:set>
+                                    <p:animEffect transition="in" filter="fade">
+                                      <p:cBhvr>
+                                        <p:cTn id="22" dur="500"/>
+                                        <p:tgtEl>
+                                          <p:spTgt spid="38"/>
+                                        </p:tgtEl>
+                                      </p:cBhvr>
+                                    </p:animEffect>
+                                  </p:childTnLst>
+                                </p:cTn>
+                              </p:par>
+                              <p:par>
+                                <p:cTn id="23" presetID="10" presetClass="entr" presetSubtype="0" fill="hold" nodeType="withEffect">
+                                  <p:stCondLst>
+                                    <p:cond delay="250"/>
+                                  </p:stCondLst>
+                                  <p:childTnLst>
+                                    <p:set>
+                                      <p:cBhvr>
+                                        <p:cTn id="24" dur="1" fill="hold">
+                                          <p:stCondLst>
+                                            <p:cond delay="0"/>
+                                          </p:stCondLst>
+                                        </p:cTn>
+                                        <p:tgtEl>
+                                          <p:spTgt spid="10"/>
+                                        </p:tgtEl>
+                                        <p:attrNameLst>
+                                          <p:attrName>style.visibility</p:attrName>
+                                        </p:attrNameLst>
+                                      </p:cBhvr>
+                                      <p:to>
+                                        <p:strVal val="visible"/>
+                                      </p:to>
+                                    </p:set>
+                                    <p:animEffect transition="in" filter="fade">
+                                      <p:cBhvr>
+                                        <p:cTn id="25" dur="750"/>
+                                        <p:tgtEl>
+                                          <p:spTgt spid="10"/>
+                                        </p:tgtEl>
+                                      </p:cBhvr>
+                                    </p:animEffect>
+                                  </p:childTnLst>
+                                </p:cTn>
+                              </p:par>
+                              <p:par>
+                                <p:cTn id="26" presetID="10" presetClass="entr" presetSubtype="0" fill="hold" nodeType="withEffect">
+                                  <p:stCondLst>
+                                    <p:cond delay="250"/>
+                                  </p:stCondLst>
+                                  <p:childTnLst>
+                                    <p:set>
+                                      <p:cBhvr>
+                                        <p:cTn id="27" dur="1" fill="hold">
+                                          <p:stCondLst>
+                                            <p:cond delay="0"/>
+                                          </p:stCondLst>
+                                        </p:cTn>
+                                        <p:tgtEl>
+                                          <p:spTgt spid="11"/>
+                                        </p:tgtEl>
+                                        <p:attrNameLst>
+                                          <p:attrName>style.visibility</p:attrName>
+                                        </p:attrNameLst>
+                                      </p:cBhvr>
+                                      <p:to>
+                                        <p:strVal val="visible"/>
+                                      </p:to>
+                                    </p:set>
+                                    <p:animEffect transition="in" filter="fade">
+                                      <p:cBhvr>
+                                        <p:cTn id="28" dur="750"/>
+                                        <p:tgtEl>
+                                          <p:spTgt spid="11"/>
+                                        </p:tgtEl>
+                                      </p:cBhvr>
+                                    </p:animEffect>
+                                  </p:childTnLst>
+                                </p:cTn>
+                              </p:par>
+                              <p:par>
+                                <p:cTn id="29" presetID="10" presetClass="entr" presetSubtype="0" fill="hold" nodeType="withEffect">
+                                  <p:stCondLst>
+                                    <p:cond delay="250"/>
+                                  </p:stCondLst>
+                                  <p:childTnLst>
+                                    <p:set>
+                                      <p:cBhvr>
+                                        <p:cTn id="30" dur="1" fill="hold">
+                                          <p:stCondLst>
+                                            <p:cond delay="0"/>
+                                          </p:stCondLst>
+                                        </p:cTn>
+                                        <p:tgtEl>
+                                          <p:spTgt spid="46"/>
+                                        </p:tgtEl>
+                                        <p:attrNameLst>
+                                          <p:attrName>style.visibility</p:attrName>
+                                        </p:attrNameLst>
+                                      </p:cBhvr>
+                                      <p:to>
+                                        <p:strVal val="visible"/>
+                                      </p:to>
+                                    </p:set>
+                                    <p:animEffect transition="in" filter="fade">
+                                      <p:cBhvr>
+                                        <p:cTn id="31" dur="750"/>
+                                        <p:tgtEl>
+                                          <p:spTgt spid="46"/>
+                                        </p:tgtEl>
+                                      </p:cBhvr>
+                                    </p:animEffect>
+                                  </p:childTnLst>
+                                </p:cTn>
+                              </p:par>
+                              <p:par>
+                                <p:cTn id="32" presetID="10" presetClass="entr" presetSubtype="0" fill="hold" nodeType="withEffect">
+                                  <p:stCondLst>
+                                    <p:cond delay="250"/>
+                                  </p:stCondLst>
+                                  <p:childTnLst>
+                                    <p:set>
+                                      <p:cBhvr>
+                                        <p:cTn id="33" dur="1" fill="hold">
+                                          <p:stCondLst>
+                                            <p:cond delay="0"/>
+                                          </p:stCondLst>
+                                        </p:cTn>
+                                        <p:tgtEl>
+                                          <p:spTgt spid="48"/>
+                                        </p:tgtEl>
+                                        <p:attrNameLst>
+                                          <p:attrName>style.visibility</p:attrName>
+                                        </p:attrNameLst>
+                                      </p:cBhvr>
+                                      <p:to>
+                                        <p:strVal val="visible"/>
+                                      </p:to>
+                                    </p:set>
+                                    <p:animEffect transition="in" filter="fade">
+                                      <p:cBhvr>
+                                        <p:cTn id="34" dur="750"/>
+                                        <p:tgtEl>
+                                          <p:spTgt spid="48"/>
+                                        </p:tgtEl>
+                                      </p:cBhvr>
+                                    </p:animEffect>
+                                  </p:childTnLst>
+                                </p:cTn>
+                              </p:par>
+                              <p:par>
+                                <p:cTn id="35" presetID="10" presetClass="entr" presetSubtype="0" fill="hold" nodeType="withEffect">
+                                  <p:stCondLst>
+                                    <p:cond delay="250"/>
+                                  </p:stCondLst>
+                                  <p:childTnLst>
+                                    <p:set>
+                                      <p:cBhvr>
+                                        <p:cTn id="36" dur="1" fill="hold">
+                                          <p:stCondLst>
+                                            <p:cond delay="0"/>
+                                          </p:stCondLst>
+                                        </p:cTn>
+                                        <p:tgtEl>
+                                          <p:spTgt spid="54"/>
+                                        </p:tgtEl>
+                                        <p:attrNameLst>
+                                          <p:attrName>style.visibility</p:attrName>
+                                        </p:attrNameLst>
+                                      </p:cBhvr>
+                                      <p:to>
+                                        <p:strVal val="visible"/>
+                                      </p:to>
+                                    </p:set>
+                                    <p:animEffect transition="in" filter="fade">
+                                      <p:cBhvr>
+                                        <p:cTn id="37" dur="750"/>
+                                        <p:tgtEl>
+                                          <p:spTgt spid="54"/>
+                                        </p:tgtEl>
+                                      </p:cBhvr>
+                                    </p:animEffect>
+                                  </p:childTnLst>
+                                </p:cTn>
+                              </p:par>
+                              <p:par>
+                                <p:cTn id="38" presetID="10" presetClass="entr" presetSubtype="0" fill="hold" nodeType="withEffect">
+                                  <p:stCondLst>
+                                    <p:cond delay="250"/>
+                                  </p:stCondLst>
+                                  <p:childTnLst>
+                                    <p:set>
+                                      <p:cBhvr>
+                                        <p:cTn id="39" dur="1" fill="hold">
+                                          <p:stCondLst>
+                                            <p:cond delay="0"/>
+                                          </p:stCondLst>
+                                        </p:cTn>
+                                        <p:tgtEl>
+                                          <p:spTgt spid="56"/>
+                                        </p:tgtEl>
+                                        <p:attrNameLst>
+                                          <p:attrName>style.visibility</p:attrName>
+                                        </p:attrNameLst>
+                                      </p:cBhvr>
+                                      <p:to>
+                                        <p:strVal val="visible"/>
+                                      </p:to>
+                                    </p:set>
+                                    <p:animEffect transition="in" filter="fade">
+                                      <p:cBhvr>
+                                        <p:cTn id="40" dur="750"/>
+                                        <p:tgtEl>
+                                          <p:spTgt spid="56"/>
+                                        </p:tgtEl>
+                                      </p:cBhvr>
+                                    </p:animEffect>
+                                  </p:childTnLst>
+                                </p:cTn>
+                              </p:par>
+                              <p:par>
+                                <p:cTn id="41" presetID="10" presetClass="entr" presetSubtype="0" fill="hold" nodeType="withEffect">
+                                  <p:stCondLst>
+                                    <p:cond delay="250"/>
+                                  </p:stCondLst>
+                                  <p:childTnLst>
+                                    <p:set>
+                                      <p:cBhvr>
+                                        <p:cTn id="42" dur="1" fill="hold">
+                                          <p:stCondLst>
+                                            <p:cond delay="0"/>
+                                          </p:stCondLst>
+                                        </p:cTn>
+                                        <p:tgtEl>
+                                          <p:spTgt spid="8"/>
+                                        </p:tgtEl>
+                                        <p:attrNameLst>
+                                          <p:attrName>style.visibility</p:attrName>
+                                        </p:attrNameLst>
+                                      </p:cBhvr>
+                                      <p:to>
+                                        <p:strVal val="visible"/>
+                                      </p:to>
+                                    </p:set>
+                                    <p:animEffect transition="in" filter="fade">
+                                      <p:cBhvr>
+                                        <p:cTn id="43" dur="750"/>
+                                        <p:tgtEl>
+                                          <p:spTgt spid="8"/>
+                                        </p:tgtEl>
+                                      </p:cBhvr>
+                                    </p:animEffect>
+                                  </p:childTnLst>
+                                </p:cTn>
+                              </p:par>
+                              <p:par>
+                                <p:cTn id="44" presetID="10" presetClass="entr" presetSubtype="0" fill="hold" nodeType="withEffect">
+                                  <p:stCondLst>
+                                    <p:cond delay="250"/>
+                                  </p:stCondLst>
+                                  <p:childTnLst>
+                                    <p:set>
+                                      <p:cBhvr>
+                                        <p:cTn id="45" dur="1" fill="hold">
+                                          <p:stCondLst>
+                                            <p:cond delay="0"/>
+                                          </p:stCondLst>
+                                        </p:cTn>
+                                        <p:tgtEl>
+                                          <p:spTgt spid="12"/>
+                                        </p:tgtEl>
+                                        <p:attrNameLst>
+                                          <p:attrName>style.visibility</p:attrName>
+                                        </p:attrNameLst>
+                                      </p:cBhvr>
+                                      <p:to>
+                                        <p:strVal val="visible"/>
+                                      </p:to>
+                                    </p:set>
+                                    <p:animEffect transition="in" filter="fade">
+                                      <p:cBhvr>
+                                        <p:cTn id="46" dur="750"/>
+                                        <p:tgtEl>
+                                          <p:spTgt spid="12"/>
+                                        </p:tgtEl>
+                                      </p:cBhvr>
+                                    </p:animEffect>
+                                  </p:childTnLst>
+                                </p:cTn>
+                              </p:par>
+                              <p:par>
+                                <p:cTn id="47" presetID="10" presetClass="entr" presetSubtype="0" fill="hold" nodeType="withEffect">
+                                  <p:stCondLst>
+                                    <p:cond delay="250"/>
+                                  </p:stCondLst>
+                                  <p:childTnLst>
+                                    <p:set>
+                                      <p:cBhvr>
+                                        <p:cTn id="48" dur="1" fill="hold">
+                                          <p:stCondLst>
+                                            <p:cond delay="0"/>
+                                          </p:stCondLst>
+                                        </p:cTn>
+                                        <p:tgtEl>
+                                          <p:spTgt spid="50"/>
+                                        </p:tgtEl>
+                                        <p:attrNameLst>
+                                          <p:attrName>style.visibility</p:attrName>
+                                        </p:attrNameLst>
+                                      </p:cBhvr>
+                                      <p:to>
+                                        <p:strVal val="visible"/>
+                                      </p:to>
+                                    </p:set>
+                                    <p:animEffect transition="in" filter="fade">
+                                      <p:cBhvr>
+                                        <p:cTn id="49" dur="750"/>
+                                        <p:tgtEl>
+                                          <p:spTgt spid="50"/>
+                                        </p:tgtEl>
+                                      </p:cBhvr>
+                                    </p:animEffect>
+                                  </p:childTnLst>
+                                </p:cTn>
+                              </p:par>
+                              <p:par>
+                                <p:cTn id="50" presetID="10" presetClass="entr" presetSubtype="0" fill="hold" nodeType="withEffect">
+                                  <p:stCondLst>
+                                    <p:cond delay="250"/>
+                                  </p:stCondLst>
+                                  <p:childTnLst>
+                                    <p:set>
+                                      <p:cBhvr>
+                                        <p:cTn id="51" dur="1" fill="hold">
+                                          <p:stCondLst>
+                                            <p:cond delay="0"/>
+                                          </p:stCondLst>
+                                        </p:cTn>
+                                        <p:tgtEl>
+                                          <p:spTgt spid="14"/>
+                                        </p:tgtEl>
+                                        <p:attrNameLst>
+                                          <p:attrName>style.visibility</p:attrName>
+                                        </p:attrNameLst>
+                                      </p:cBhvr>
+                                      <p:to>
+                                        <p:strVal val="visible"/>
+                                      </p:to>
+                                    </p:set>
+                                    <p:animEffect transition="in" filter="fade">
+                                      <p:cBhvr>
+                                        <p:cTn id="52" dur="750"/>
+                                        <p:tgtEl>
+                                          <p:spTgt spid="14"/>
+                                        </p:tgtEl>
+                                      </p:cBhvr>
+                                    </p:animEffect>
+                                  </p:childTnLst>
+                                </p:cTn>
+                              </p:par>
+                              <p:par>
+                                <p:cTn id="53" presetID="10" presetClass="entr" presetSubtype="0" fill="hold" nodeType="withEffect">
+                                  <p:stCondLst>
+                                    <p:cond delay="750"/>
+                                  </p:stCondLst>
+                                  <p:childTnLst>
+                                    <p:set>
+                                      <p:cBhvr>
+                                        <p:cTn id="54" dur="1" fill="hold">
+                                          <p:stCondLst>
+                                            <p:cond delay="0"/>
+                                          </p:stCondLst>
+                                        </p:cTn>
+                                        <p:tgtEl>
+                                          <p:spTgt spid="15"/>
+                                        </p:tgtEl>
+                                        <p:attrNameLst>
+                                          <p:attrName>style.visibility</p:attrName>
+                                        </p:attrNameLst>
+                                      </p:cBhvr>
+                                      <p:to>
+                                        <p:strVal val="visible"/>
+                                      </p:to>
+                                    </p:set>
+                                    <p:animEffect transition="in" filter="fade">
+                                      <p:cBhvr>
+                                        <p:cTn id="55" dur="750"/>
+                                        <p:tgtEl>
+                                          <p:spTgt spid="15"/>
+                                        </p:tgtEl>
+                                      </p:cBhvr>
+                                    </p:animEffect>
+                                  </p:childTnLst>
+                                </p:cTn>
+                              </p:par>
+                              <p:par>
+                                <p:cTn id="56" presetID="10" presetClass="entr" presetSubtype="0" fill="hold" nodeType="withEffect">
+                                  <p:stCondLst>
+                                    <p:cond delay="750"/>
+                                  </p:stCondLst>
+                                  <p:childTnLst>
+                                    <p:set>
+                                      <p:cBhvr>
+                                        <p:cTn id="57" dur="1" fill="hold">
+                                          <p:stCondLst>
+                                            <p:cond delay="0"/>
+                                          </p:stCondLst>
+                                        </p:cTn>
+                                        <p:tgtEl>
+                                          <p:spTgt spid="16"/>
+                                        </p:tgtEl>
+                                        <p:attrNameLst>
+                                          <p:attrName>style.visibility</p:attrName>
+                                        </p:attrNameLst>
+                                      </p:cBhvr>
+                                      <p:to>
+                                        <p:strVal val="visible"/>
+                                      </p:to>
+                                    </p:set>
+                                    <p:animEffect transition="in" filter="fade">
+                                      <p:cBhvr>
+                                        <p:cTn id="58" dur="750"/>
+                                        <p:tgtEl>
+                                          <p:spTgt spid="16"/>
+                                        </p:tgtEl>
+                                      </p:cBhvr>
+                                    </p:animEffect>
+                                  </p:childTnLst>
+                                </p:cTn>
+                              </p:par>
+                              <p:par>
+                                <p:cTn id="59" presetID="10" presetClass="entr" presetSubtype="0" fill="hold" nodeType="withEffect">
+                                  <p:stCondLst>
+                                    <p:cond delay="750"/>
+                                  </p:stCondLst>
+                                  <p:childTnLst>
+                                    <p:set>
+                                      <p:cBhvr>
+                                        <p:cTn id="60" dur="1" fill="hold">
+                                          <p:stCondLst>
+                                            <p:cond delay="0"/>
+                                          </p:stCondLst>
+                                        </p:cTn>
+                                        <p:tgtEl>
+                                          <p:spTgt spid="17"/>
+                                        </p:tgtEl>
+                                        <p:attrNameLst>
+                                          <p:attrName>style.visibility</p:attrName>
+                                        </p:attrNameLst>
+                                      </p:cBhvr>
+                                      <p:to>
+                                        <p:strVal val="visible"/>
+                                      </p:to>
+                                    </p:set>
+                                    <p:animEffect transition="in" filter="fade">
+                                      <p:cBhvr>
+                                        <p:cTn id="61" dur="750"/>
+                                        <p:tgtEl>
+                                          <p:spTgt spid="17"/>
+                                        </p:tgtEl>
+                                      </p:cBhvr>
+                                    </p:animEffect>
+                                  </p:childTnLst>
+                                </p:cTn>
+                              </p:par>
+                              <p:par>
+                                <p:cTn id="62" presetID="10" presetClass="entr" presetSubtype="0" fill="hold" nodeType="withEffect">
+                                  <p:stCondLst>
+                                    <p:cond delay="750"/>
+                                  </p:stCondLst>
+                                  <p:childTnLst>
+                                    <p:set>
+                                      <p:cBhvr>
+                                        <p:cTn id="63" dur="1" fill="hold">
+                                          <p:stCondLst>
+                                            <p:cond delay="0"/>
+                                          </p:stCondLst>
+                                        </p:cTn>
+                                        <p:tgtEl>
+                                          <p:spTgt spid="18"/>
+                                        </p:tgtEl>
+                                        <p:attrNameLst>
+                                          <p:attrName>style.visibility</p:attrName>
+                                        </p:attrNameLst>
+                                      </p:cBhvr>
+                                      <p:to>
+                                        <p:strVal val="visible"/>
+                                      </p:to>
+                                    </p:set>
+                                    <p:animEffect transition="in" filter="fade">
+                                      <p:cBhvr>
+                                        <p:cTn id="64" dur="750"/>
+                                        <p:tgtEl>
+                                          <p:spTgt spid="18"/>
+                                        </p:tgtEl>
+                                      </p:cBhvr>
+                                    </p:animEffect>
+                                  </p:childTnLst>
+                                </p:cTn>
+                              </p:par>
+                              <p:par>
+                                <p:cTn id="65" presetID="10" presetClass="entr" presetSubtype="0" fill="hold" nodeType="withEffect">
+                                  <p:stCondLst>
+                                    <p:cond delay="750"/>
+                                  </p:stCondLst>
+                                  <p:childTnLst>
+                                    <p:set>
+                                      <p:cBhvr>
+                                        <p:cTn id="66" dur="1" fill="hold">
+                                          <p:stCondLst>
+                                            <p:cond delay="0"/>
+                                          </p:stCondLst>
+                                        </p:cTn>
+                                        <p:tgtEl>
+                                          <p:spTgt spid="19"/>
+                                        </p:tgtEl>
+                                        <p:attrNameLst>
+                                          <p:attrName>style.visibility</p:attrName>
+                                        </p:attrNameLst>
+                                      </p:cBhvr>
+                                      <p:to>
+                                        <p:strVal val="visible"/>
+                                      </p:to>
+                                    </p:set>
+                                    <p:animEffect transition="in" filter="fade">
+                                      <p:cBhvr>
+                                        <p:cTn id="67" dur="750"/>
+                                        <p:tgtEl>
+                                          <p:spTgt spid="19"/>
+                                        </p:tgtEl>
+                                      </p:cBhvr>
+                                    </p:animEffect>
+                                  </p:childTnLst>
+                                </p:cTn>
+                              </p:par>
+                              <p:par>
+                                <p:cTn id="68" presetID="10" presetClass="entr" presetSubtype="0" fill="hold" nodeType="withEffect">
+                                  <p:stCondLst>
+                                    <p:cond delay="750"/>
+                                  </p:stCondLst>
+                                  <p:childTnLst>
+                                    <p:set>
+                                      <p:cBhvr>
+                                        <p:cTn id="69" dur="1" fill="hold">
+                                          <p:stCondLst>
+                                            <p:cond delay="0"/>
+                                          </p:stCondLst>
+                                        </p:cTn>
+                                        <p:tgtEl>
+                                          <p:spTgt spid="21"/>
+                                        </p:tgtEl>
+                                        <p:attrNameLst>
+                                          <p:attrName>style.visibility</p:attrName>
+                                        </p:attrNameLst>
+                                      </p:cBhvr>
+                                      <p:to>
+                                        <p:strVal val="visible"/>
+                                      </p:to>
+                                    </p:set>
+                                    <p:animEffect transition="in" filter="fade">
+                                      <p:cBhvr>
+                                        <p:cTn id="70" dur="750"/>
+                                        <p:tgtEl>
+                                          <p:spTgt spid="21"/>
+                                        </p:tgtEl>
+                                      </p:cBhvr>
+                                    </p:animEffect>
+                                  </p:childTnLst>
+                                </p:cTn>
+                              </p:par>
+                              <p:par>
+                                <p:cTn id="71" presetID="10" presetClass="entr" presetSubtype="0" fill="hold" nodeType="withEffect">
+                                  <p:stCondLst>
+                                    <p:cond delay="750"/>
+                                  </p:stCondLst>
+                                  <p:childTnLst>
+                                    <p:set>
+                                      <p:cBhvr>
+                                        <p:cTn id="72" dur="1" fill="hold">
+                                          <p:stCondLst>
+                                            <p:cond delay="0"/>
+                                          </p:stCondLst>
+                                        </p:cTn>
+                                        <p:tgtEl>
+                                          <p:spTgt spid="22"/>
+                                        </p:tgtEl>
+                                        <p:attrNameLst>
+                                          <p:attrName>style.visibility</p:attrName>
+                                        </p:attrNameLst>
+                                      </p:cBhvr>
+                                      <p:to>
+                                        <p:strVal val="visible"/>
+                                      </p:to>
+                                    </p:set>
+                                    <p:animEffect transition="in" filter="fade">
+                                      <p:cBhvr>
+                                        <p:cTn id="73" dur="750"/>
+                                        <p:tgtEl>
+                                          <p:spTgt spid="22"/>
+                                        </p:tgtEl>
+                                      </p:cBhvr>
+                                    </p:animEffect>
+                                  </p:childTnLst>
+                                </p:cTn>
+                              </p:par>
+                              <p:par>
+                                <p:cTn id="74" presetID="10" presetClass="entr" presetSubtype="0" fill="hold" nodeType="withEffect">
+                                  <p:stCondLst>
+                                    <p:cond delay="750"/>
+                                  </p:stCondLst>
+                                  <p:childTnLst>
+                                    <p:set>
+                                      <p:cBhvr>
+                                        <p:cTn id="75" dur="1" fill="hold">
+                                          <p:stCondLst>
+                                            <p:cond delay="0"/>
+                                          </p:stCondLst>
+                                        </p:cTn>
+                                        <p:tgtEl>
+                                          <p:spTgt spid="23"/>
+                                        </p:tgtEl>
+                                        <p:attrNameLst>
+                                          <p:attrName>style.visibility</p:attrName>
+                                        </p:attrNameLst>
+                                      </p:cBhvr>
+                                      <p:to>
+                                        <p:strVal val="visible"/>
+                                      </p:to>
+                                    </p:set>
+                                    <p:animEffect transition="in" filter="fade">
+                                      <p:cBhvr>
+                                        <p:cTn id="76" dur="750"/>
+                                        <p:tgtEl>
+                                          <p:spTgt spid="23"/>
+                                        </p:tgtEl>
+                                      </p:cBhvr>
+                                    </p:animEffect>
+                                  </p:childTnLst>
+                                </p:cTn>
+                              </p:par>
+                              <p:par>
+                                <p:cTn id="77" presetID="10" presetClass="entr" presetSubtype="0" fill="hold" nodeType="withEffect">
+                                  <p:stCondLst>
+                                    <p:cond delay="750"/>
+                                  </p:stCondLst>
+                                  <p:childTnLst>
+                                    <p:set>
+                                      <p:cBhvr>
+                                        <p:cTn id="78" dur="1" fill="hold">
+                                          <p:stCondLst>
+                                            <p:cond delay="0"/>
+                                          </p:stCondLst>
+                                        </p:cTn>
+                                        <p:tgtEl>
+                                          <p:spTgt spid="25"/>
+                                        </p:tgtEl>
+                                        <p:attrNameLst>
+                                          <p:attrName>style.visibility</p:attrName>
+                                        </p:attrNameLst>
+                                      </p:cBhvr>
+                                      <p:to>
+                                        <p:strVal val="visible"/>
+                                      </p:to>
+                                    </p:set>
+                                    <p:animEffect transition="in" filter="fade">
+                                      <p:cBhvr>
+                                        <p:cTn id="79" dur="750"/>
+                                        <p:tgtEl>
+                                          <p:spTgt spid="25"/>
+                                        </p:tgtEl>
+                                      </p:cBhvr>
+                                    </p:animEffect>
+                                  </p:childTnLst>
+                                </p:cTn>
+                              </p:par>
+                              <p:par>
+                                <p:cTn id="80" presetID="10" presetClass="entr" presetSubtype="0" fill="hold" nodeType="withEffect">
+                                  <p:stCondLst>
+                                    <p:cond delay="750"/>
+                                  </p:stCondLst>
+                                  <p:childTnLst>
+                                    <p:set>
+                                      <p:cBhvr>
+                                        <p:cTn id="81" dur="1" fill="hold">
+                                          <p:stCondLst>
+                                            <p:cond delay="0"/>
+                                          </p:stCondLst>
+                                        </p:cTn>
+                                        <p:tgtEl>
+                                          <p:spTgt spid="58"/>
+                                        </p:tgtEl>
+                                        <p:attrNameLst>
+                                          <p:attrName>style.visibility</p:attrName>
+                                        </p:attrNameLst>
+                                      </p:cBhvr>
+                                      <p:to>
+                                        <p:strVal val="visible"/>
+                                      </p:to>
+                                    </p:set>
+                                    <p:animEffect transition="in" filter="fade">
+                                      <p:cBhvr>
+                                        <p:cTn id="82" dur="750"/>
+                                        <p:tgtEl>
+                                          <p:spTgt spid="58"/>
+                                        </p:tgtEl>
+                                      </p:cBhvr>
+                                    </p:animEffect>
+                                  </p:childTnLst>
+                                </p:cTn>
+                              </p:par>
+                              <p:par>
+                                <p:cTn id="83" presetID="10" presetClass="entr" presetSubtype="0" fill="hold" nodeType="withEffect">
+                                  <p:stCondLst>
+                                    <p:cond delay="750"/>
+                                  </p:stCondLst>
+                                  <p:childTnLst>
+                                    <p:set>
+                                      <p:cBhvr>
+                                        <p:cTn id="84" dur="1" fill="hold">
+                                          <p:stCondLst>
+                                            <p:cond delay="0"/>
+                                          </p:stCondLst>
+                                        </p:cTn>
+                                        <p:tgtEl>
+                                          <p:spTgt spid="60"/>
+                                        </p:tgtEl>
+                                        <p:attrNameLst>
+                                          <p:attrName>style.visibility</p:attrName>
+                                        </p:attrNameLst>
+                                      </p:cBhvr>
+                                      <p:to>
+                                        <p:strVal val="visible"/>
+                                      </p:to>
+                                    </p:set>
+                                    <p:animEffect transition="in" filter="fade">
+                                      <p:cBhvr>
+                                        <p:cTn id="85" dur="750"/>
+                                        <p:tgtEl>
+                                          <p:spTgt spid="60"/>
+                                        </p:tgtEl>
+                                      </p:cBhvr>
+                                    </p:animEffect>
+                                  </p:childTnLst>
+                                </p:cTn>
+                              </p:par>
+                              <p:par>
+                                <p:cTn id="86" presetID="10" presetClass="entr" presetSubtype="0" fill="hold" nodeType="withEffect">
+                                  <p:stCondLst>
+                                    <p:cond delay="750"/>
+                                  </p:stCondLst>
+                                  <p:childTnLst>
+                                    <p:set>
+                                      <p:cBhvr>
+                                        <p:cTn id="87" dur="1" fill="hold">
+                                          <p:stCondLst>
+                                            <p:cond delay="0"/>
+                                          </p:stCondLst>
+                                        </p:cTn>
+                                        <p:tgtEl>
+                                          <p:spTgt spid="62"/>
+                                        </p:tgtEl>
+                                        <p:attrNameLst>
+                                          <p:attrName>style.visibility</p:attrName>
+                                        </p:attrNameLst>
+                                      </p:cBhvr>
+                                      <p:to>
+                                        <p:strVal val="visible"/>
+                                      </p:to>
+                                    </p:set>
+                                    <p:animEffect transition="in" filter="fade">
+                                      <p:cBhvr>
+                                        <p:cTn id="88" dur="750"/>
+                                        <p:tgtEl>
+                                          <p:spTgt spid="62"/>
+                                        </p:tgtEl>
+                                      </p:cBhvr>
+                                    </p:animEffect>
+                                  </p:childTnLst>
+                                </p:cTn>
+                              </p:par>
+                              <p:par>
+                                <p:cTn id="89" presetID="10" presetClass="entr" presetSubtype="0" fill="hold" nodeType="withEffect">
+                                  <p:stCondLst>
+                                    <p:cond delay="750"/>
+                                  </p:stCondLst>
+                                  <p:childTnLst>
+                                    <p:set>
+                                      <p:cBhvr>
+                                        <p:cTn id="90" dur="1" fill="hold">
+                                          <p:stCondLst>
+                                            <p:cond delay="0"/>
+                                          </p:stCondLst>
+                                        </p:cTn>
+                                        <p:tgtEl>
+                                          <p:spTgt spid="64"/>
+                                        </p:tgtEl>
+                                        <p:attrNameLst>
+                                          <p:attrName>style.visibility</p:attrName>
+                                        </p:attrNameLst>
+                                      </p:cBhvr>
+                                      <p:to>
+                                        <p:strVal val="visible"/>
+                                      </p:to>
+                                    </p:set>
+                                    <p:animEffect transition="in" filter="fade">
+                                      <p:cBhvr>
+                                        <p:cTn id="91" dur="750"/>
+                                        <p:tgtEl>
+                                          <p:spTgt spid="64"/>
+                                        </p:tgtEl>
+                                      </p:cBhvr>
+                                    </p:animEffect>
+                                  </p:childTnLst>
+                                </p:cTn>
+                              </p:par>
+                              <p:par>
+                                <p:cTn id="92" presetID="10" presetClass="entr" presetSubtype="0" fill="hold" nodeType="withEffect">
+                                  <p:stCondLst>
+                                    <p:cond delay="750"/>
+                                  </p:stCondLst>
+                                  <p:childTnLst>
+                                    <p:set>
+                                      <p:cBhvr>
+                                        <p:cTn id="93" dur="1" fill="hold">
+                                          <p:stCondLst>
+                                            <p:cond delay="0"/>
+                                          </p:stCondLst>
+                                        </p:cTn>
+                                        <p:tgtEl>
+                                          <p:spTgt spid="66"/>
+                                        </p:tgtEl>
+                                        <p:attrNameLst>
+                                          <p:attrName>style.visibility</p:attrName>
+                                        </p:attrNameLst>
+                                      </p:cBhvr>
+                                      <p:to>
+                                        <p:strVal val="visible"/>
+                                      </p:to>
+                                    </p:set>
+                                    <p:animEffect transition="in" filter="fade">
+                                      <p:cBhvr>
+                                        <p:cTn id="94" dur="750"/>
+                                        <p:tgtEl>
+                                          <p:spTgt spid="66"/>
+                                        </p:tgtEl>
+                                      </p:cBhvr>
+                                    </p:animEffect>
+                                  </p:childTnLst>
+                                </p:cTn>
+                              </p:par>
+                              <p:par>
+                                <p:cTn id="95" presetID="10" presetClass="entr" presetSubtype="0" fill="hold" nodeType="withEffect">
+                                  <p:stCondLst>
+                                    <p:cond delay="750"/>
+                                  </p:stCondLst>
+                                  <p:childTnLst>
+                                    <p:set>
+                                      <p:cBhvr>
+                                        <p:cTn id="96" dur="1" fill="hold">
+                                          <p:stCondLst>
+                                            <p:cond delay="0"/>
+                                          </p:stCondLst>
+                                        </p:cTn>
+                                        <p:tgtEl>
+                                          <p:spTgt spid="67"/>
+                                        </p:tgtEl>
+                                        <p:attrNameLst>
+                                          <p:attrName>style.visibility</p:attrName>
+                                        </p:attrNameLst>
+                                      </p:cBhvr>
+                                      <p:to>
+                                        <p:strVal val="visible"/>
+                                      </p:to>
+                                    </p:set>
+                                    <p:animEffect transition="in" filter="fade">
+                                      <p:cBhvr>
+                                        <p:cTn id="97" dur="750"/>
+                                        <p:tgtEl>
+                                          <p:spTgt spid="67"/>
+                                        </p:tgtEl>
+                                      </p:cBhvr>
+                                    </p:animEffect>
+                                  </p:childTnLst>
+                                </p:cTn>
+                              </p:par>
+                              <p:par>
+                                <p:cTn id="98" presetID="10" presetClass="entr" presetSubtype="0" fill="hold" nodeType="withEffect">
+                                  <p:stCondLst>
+                                    <p:cond delay="750"/>
+                                  </p:stCondLst>
+                                  <p:childTnLst>
+                                    <p:set>
+                                      <p:cBhvr>
+                                        <p:cTn id="99" dur="1" fill="hold">
+                                          <p:stCondLst>
+                                            <p:cond delay="0"/>
+                                          </p:stCondLst>
+                                        </p:cTn>
+                                        <p:tgtEl>
+                                          <p:spTgt spid="68"/>
+                                        </p:tgtEl>
+                                        <p:attrNameLst>
+                                          <p:attrName>style.visibility</p:attrName>
+                                        </p:attrNameLst>
+                                      </p:cBhvr>
+                                      <p:to>
+                                        <p:strVal val="visible"/>
+                                      </p:to>
+                                    </p:set>
+                                    <p:animEffect transition="in" filter="fade">
+                                      <p:cBhvr>
+                                        <p:cTn id="100" dur="750"/>
+                                        <p:tgtEl>
+                                          <p:spTgt spid="68"/>
+                                        </p:tgtEl>
+                                      </p:cBhvr>
+                                    </p:animEffect>
+                                  </p:childTnLst>
+                                </p:cTn>
+                              </p:par>
+                              <p:par>
+                                <p:cTn id="101" presetID="10" presetClass="entr" presetSubtype="0" fill="hold" nodeType="withEffect">
+                                  <p:stCondLst>
+                                    <p:cond delay="750"/>
+                                  </p:stCondLst>
+                                  <p:childTnLst>
+                                    <p:set>
+                                      <p:cBhvr>
+                                        <p:cTn id="102" dur="1" fill="hold">
+                                          <p:stCondLst>
+                                            <p:cond delay="0"/>
+                                          </p:stCondLst>
+                                        </p:cTn>
+                                        <p:tgtEl>
+                                          <p:spTgt spid="69"/>
+                                        </p:tgtEl>
+                                        <p:attrNameLst>
+                                          <p:attrName>style.visibility</p:attrName>
+                                        </p:attrNameLst>
+                                      </p:cBhvr>
+                                      <p:to>
+                                        <p:strVal val="visible"/>
+                                      </p:to>
+                                    </p:set>
+                                    <p:animEffect transition="in" filter="fade">
+                                      <p:cBhvr>
+                                        <p:cTn id="103" dur="750"/>
+                                        <p:tgtEl>
+                                          <p:spTgt spid="69"/>
+                                        </p:tgtEl>
+                                      </p:cBhvr>
+                                    </p:animEffect>
+                                  </p:childTnLst>
+                                </p:cTn>
+                              </p:par>
+                              <p:par>
+                                <p:cTn id="104" presetID="10" presetClass="entr" presetSubtype="0" fill="hold" nodeType="withEffect">
+                                  <p:stCondLst>
+                                    <p:cond delay="1500"/>
+                                  </p:stCondLst>
+                                  <p:childTnLst>
+                                    <p:set>
+                                      <p:cBhvr>
+                                        <p:cTn id="105" dur="1" fill="hold">
+                                          <p:stCondLst>
+                                            <p:cond delay="0"/>
+                                          </p:stCondLst>
+                                        </p:cTn>
+                                        <p:tgtEl>
+                                          <p:spTgt spid="29"/>
+                                        </p:tgtEl>
+                                        <p:attrNameLst>
+                                          <p:attrName>style.visibility</p:attrName>
+                                        </p:attrNameLst>
+                                      </p:cBhvr>
+                                      <p:to>
+                                        <p:strVal val="visible"/>
+                                      </p:to>
+                                    </p:set>
+                                    <p:animEffect transition="in" filter="fade">
+                                      <p:cBhvr>
+                                        <p:cTn id="106" dur="750"/>
+                                        <p:tgtEl>
+                                          <p:spTgt spid="29"/>
+                                        </p:tgtEl>
+                                      </p:cBhvr>
+                                    </p:animEffect>
+                                  </p:childTnLst>
+                                </p:cTn>
+                              </p:par>
+                              <p:par>
+                                <p:cTn id="107" presetID="10" presetClass="entr" presetSubtype="0" fill="hold" nodeType="withEffect">
+                                  <p:stCondLst>
+                                    <p:cond delay="1500"/>
+                                  </p:stCondLst>
+                                  <p:childTnLst>
+                                    <p:set>
+                                      <p:cBhvr>
+                                        <p:cTn id="108" dur="1" fill="hold">
+                                          <p:stCondLst>
+                                            <p:cond delay="0"/>
+                                          </p:stCondLst>
+                                        </p:cTn>
+                                        <p:tgtEl>
+                                          <p:spTgt spid="34"/>
+                                        </p:tgtEl>
+                                        <p:attrNameLst>
+                                          <p:attrName>style.visibility</p:attrName>
+                                        </p:attrNameLst>
+                                      </p:cBhvr>
+                                      <p:to>
+                                        <p:strVal val="visible"/>
+                                      </p:to>
+                                    </p:set>
+                                    <p:animEffect transition="in" filter="fade">
+                                      <p:cBhvr>
+                                        <p:cTn id="109" dur="750"/>
+                                        <p:tgtEl>
+                                          <p:spTgt spid="34"/>
+                                        </p:tgtEl>
+                                      </p:cBhvr>
+                                    </p:animEffect>
+                                  </p:childTnLst>
+                                </p:cTn>
+                              </p:par>
+                              <p:par>
+                                <p:cTn id="110" presetID="10" presetClass="entr" presetSubtype="0" fill="hold" nodeType="withEffect">
+                                  <p:stCondLst>
+                                    <p:cond delay="1500"/>
+                                  </p:stCondLst>
+                                  <p:childTnLst>
+                                    <p:set>
+                                      <p:cBhvr>
+                                        <p:cTn id="111" dur="1" fill="hold">
+                                          <p:stCondLst>
+                                            <p:cond delay="0"/>
+                                          </p:stCondLst>
+                                        </p:cTn>
+                                        <p:tgtEl>
+                                          <p:spTgt spid="35"/>
+                                        </p:tgtEl>
+                                        <p:attrNameLst>
+                                          <p:attrName>style.visibility</p:attrName>
+                                        </p:attrNameLst>
+                                      </p:cBhvr>
+                                      <p:to>
+                                        <p:strVal val="visible"/>
+                                      </p:to>
+                                    </p:set>
+                                    <p:animEffect transition="in" filter="fade">
+                                      <p:cBhvr>
+                                        <p:cTn id="112" dur="750"/>
+                                        <p:tgtEl>
+                                          <p:spTgt spid="35"/>
+                                        </p:tgtEl>
+                                      </p:cBhvr>
+                                    </p:animEffect>
+                                  </p:childTnLst>
+                                </p:cTn>
+                              </p:par>
+                              <p:par>
+                                <p:cTn id="113" presetID="10" presetClass="entr" presetSubtype="0" fill="hold" nodeType="withEffect">
+                                  <p:stCondLst>
+                                    <p:cond delay="1500"/>
+                                  </p:stCondLst>
+                                  <p:childTnLst>
+                                    <p:set>
+                                      <p:cBhvr>
+                                        <p:cTn id="114" dur="1" fill="hold">
+                                          <p:stCondLst>
+                                            <p:cond delay="0"/>
+                                          </p:stCondLst>
+                                        </p:cTn>
+                                        <p:tgtEl>
+                                          <p:spTgt spid="77"/>
+                                        </p:tgtEl>
+                                        <p:attrNameLst>
+                                          <p:attrName>style.visibility</p:attrName>
+                                        </p:attrNameLst>
+                                      </p:cBhvr>
+                                      <p:to>
+                                        <p:strVal val="visible"/>
+                                      </p:to>
+                                    </p:set>
+                                    <p:animEffect transition="in" filter="fade">
+                                      <p:cBhvr>
+                                        <p:cTn id="115" dur="750"/>
+                                        <p:tgtEl>
+                                          <p:spTgt spid="77"/>
+                                        </p:tgtEl>
+                                      </p:cBhvr>
+                                    </p:animEffect>
+                                  </p:childTnLst>
+                                </p:cTn>
+                              </p:par>
+                              <p:par>
+                                <p:cTn id="116" presetID="10" presetClass="entr" presetSubtype="0" fill="hold" nodeType="withEffect">
+                                  <p:stCondLst>
+                                    <p:cond delay="1500"/>
+                                  </p:stCondLst>
+                                  <p:childTnLst>
+                                    <p:set>
+                                      <p:cBhvr>
+                                        <p:cTn id="117" dur="1" fill="hold">
+                                          <p:stCondLst>
+                                            <p:cond delay="0"/>
+                                          </p:stCondLst>
+                                        </p:cTn>
+                                        <p:tgtEl>
+                                          <p:spTgt spid="79"/>
+                                        </p:tgtEl>
+                                        <p:attrNameLst>
+                                          <p:attrName>style.visibility</p:attrName>
+                                        </p:attrNameLst>
+                                      </p:cBhvr>
+                                      <p:to>
+                                        <p:strVal val="visible"/>
+                                      </p:to>
+                                    </p:set>
+                                    <p:animEffect transition="in" filter="fade">
+                                      <p:cBhvr>
+                                        <p:cTn id="118" dur="750"/>
+                                        <p:tgtEl>
+                                          <p:spTgt spid="79"/>
+                                        </p:tgtEl>
+                                      </p:cBhvr>
+                                    </p:animEffect>
+                                  </p:childTnLst>
+                                </p:cTn>
+                              </p:par>
+                              <p:par>
+                                <p:cTn id="119" presetID="10" presetClass="entr" presetSubtype="0" fill="hold" nodeType="withEffect">
+                                  <p:stCondLst>
+                                    <p:cond delay="1500"/>
+                                  </p:stCondLst>
+                                  <p:childTnLst>
+                                    <p:set>
+                                      <p:cBhvr>
+                                        <p:cTn id="120" dur="1" fill="hold">
+                                          <p:stCondLst>
+                                            <p:cond delay="0"/>
+                                          </p:stCondLst>
+                                        </p:cTn>
+                                        <p:tgtEl>
+                                          <p:spTgt spid="81"/>
+                                        </p:tgtEl>
+                                        <p:attrNameLst>
+                                          <p:attrName>style.visibility</p:attrName>
+                                        </p:attrNameLst>
+                                      </p:cBhvr>
+                                      <p:to>
+                                        <p:strVal val="visible"/>
+                                      </p:to>
+                                    </p:set>
+                                    <p:animEffect transition="in" filter="fade">
+                                      <p:cBhvr>
+                                        <p:cTn id="121" dur="750"/>
+                                        <p:tgtEl>
+                                          <p:spTgt spid="81"/>
+                                        </p:tgtEl>
+                                      </p:cBhvr>
+                                    </p:animEffect>
+                                  </p:childTnLst>
+                                </p:cTn>
+                              </p:par>
+                              <p:par>
+                                <p:cTn id="122" presetID="10" presetClass="entr" presetSubtype="0" fill="hold" nodeType="withEffect">
+                                  <p:stCondLst>
+                                    <p:cond delay="1500"/>
+                                  </p:stCondLst>
+                                  <p:childTnLst>
+                                    <p:set>
+                                      <p:cBhvr>
+                                        <p:cTn id="123" dur="1" fill="hold">
+                                          <p:stCondLst>
+                                            <p:cond delay="0"/>
+                                          </p:stCondLst>
+                                        </p:cTn>
+                                        <p:tgtEl>
+                                          <p:spTgt spid="82"/>
+                                        </p:tgtEl>
+                                        <p:attrNameLst>
+                                          <p:attrName>style.visibility</p:attrName>
+                                        </p:attrNameLst>
+                                      </p:cBhvr>
+                                      <p:to>
+                                        <p:strVal val="visible"/>
+                                      </p:to>
+                                    </p:set>
+                                    <p:animEffect transition="in" filter="fade">
+                                      <p:cBhvr>
+                                        <p:cTn id="124" dur="750"/>
+                                        <p:tgtEl>
+                                          <p:spTgt spid="82"/>
+                                        </p:tgtEl>
+                                      </p:cBhvr>
+                                    </p:animEffect>
+                                  </p:childTnLst>
+                                </p:cTn>
+                              </p:par>
+                              <p:par>
+                                <p:cTn id="125" presetID="10" presetClass="entr" presetSubtype="0" fill="hold" nodeType="withEffect">
+                                  <p:stCondLst>
+                                    <p:cond delay="1500"/>
+                                  </p:stCondLst>
+                                  <p:childTnLst>
+                                    <p:set>
+                                      <p:cBhvr>
+                                        <p:cTn id="126" dur="1" fill="hold">
+                                          <p:stCondLst>
+                                            <p:cond delay="0"/>
+                                          </p:stCondLst>
+                                        </p:cTn>
+                                        <p:tgtEl>
+                                          <p:spTgt spid="83"/>
+                                        </p:tgtEl>
+                                        <p:attrNameLst>
+                                          <p:attrName>style.visibility</p:attrName>
+                                        </p:attrNameLst>
+                                      </p:cBhvr>
+                                      <p:to>
+                                        <p:strVal val="visible"/>
+                                      </p:to>
+                                    </p:set>
+                                    <p:animEffect transition="in" filter="fade">
+                                      <p:cBhvr>
+                                        <p:cTn id="127" dur="750"/>
+                                        <p:tgtEl>
+                                          <p:spTgt spid="83"/>
+                                        </p:tgtEl>
+                                      </p:cBhvr>
+                                    </p:animEffect>
+                                  </p:childTnLst>
+                                </p:cTn>
+                              </p:par>
+                              <p:par>
+                                <p:cTn id="128" presetID="10" presetClass="entr" presetSubtype="0" fill="hold" nodeType="withEffect">
+                                  <p:stCondLst>
+                                    <p:cond delay="1500"/>
+                                  </p:stCondLst>
+                                  <p:childTnLst>
+                                    <p:set>
+                                      <p:cBhvr>
+                                        <p:cTn id="129" dur="1" fill="hold">
+                                          <p:stCondLst>
+                                            <p:cond delay="0"/>
+                                          </p:stCondLst>
+                                        </p:cTn>
+                                        <p:tgtEl>
+                                          <p:spTgt spid="73"/>
+                                        </p:tgtEl>
+                                        <p:attrNameLst>
+                                          <p:attrName>style.visibility</p:attrName>
+                                        </p:attrNameLst>
+                                      </p:cBhvr>
+                                      <p:to>
+                                        <p:strVal val="visible"/>
+                                      </p:to>
+                                    </p:set>
+                                    <p:animEffect transition="in" filter="fade">
+                                      <p:cBhvr>
+                                        <p:cTn id="130" dur="750"/>
+                                        <p:tgtEl>
+                                          <p:spTgt spid="73"/>
+                                        </p:tgtEl>
+                                      </p:cBhvr>
+                                    </p:animEffect>
+                                  </p:childTnLst>
+                                </p:cTn>
+                              </p:par>
+                            </p:childTnLst>
+                          </p:cTn>
+                        </p:par>
+                      </p:childTnLst>
+                    </p:cTn>
+                  </p:par>
+                </p:childTnLst>
+              </p:cTn>
+              <p:prevCondLst>
+                <p:cond evt="onPrev" delay="0">
+                  <p:tgtEl>
+                    <p:sldTgt/>
+                  </p:tgtEl>
+                </p:cond>
+              </p:prevCondLst>
+              <p:nextCondLst>
+                <p:cond evt="onNext" delay="0">
+                  <p:tgtEl>
+                    <p:sldTgt/>
+                  </p:tgtEl>
+                </p:cond>
+              </p:nextCondLst>
+            </p:seq>
+          </p:childTnLst>
+        </p:cTn>
+      </p:par>
+    </p:tnLst>
+  </p:timing>
 </p:sld>
 </file>
 
@@ -9019,6 +12401,18 @@
   <p:clrMapOvr>
     <a:masterClrMapping/>
   </p:clrMapOvr>
+  <mc:AlternateContent xmlns:mc="http://schemas.openxmlformats.org/markup-compatibility/2006">
+    <mc:Choice xmlns:p15="http://schemas.microsoft.com/office/powerpoint/2012/main" Requires="p15">
+      <p:transition xmlns:p14="http://schemas.microsoft.com/office/powerpoint/2010/main" spd="slow" p14:dur="3500">
+        <p15:prstTrans prst="curtains"/>
+      </p:transition>
+    </mc:Choice>
+    <mc:Fallback>
+      <p:transition spd="slow">
+        <p:fade/>
+      </p:transition>
+    </mc:Fallback>
+  </mc:AlternateContent>
 </p:sld>
 </file>
 
